--- a/ProjectTWPS.pptx
+++ b/ProjectTWPS.pptx
@@ -6,9 +6,10 @@
   </p:sldMasterIdLst>
   <p:sldIdLst>
     <p:sldId id="256" r:id="rId2"/>
-    <p:sldId id="257" r:id="rId3"/>
+    <p:sldId id="260" r:id="rId3"/>
     <p:sldId id="259" r:id="rId4"/>
-    <p:sldId id="260" r:id="rId5"/>
+    <p:sldId id="257" r:id="rId5"/>
+    <p:sldId id="261" r:id="rId6"/>
   </p:sldIdLst>
   <p:sldSz cx="12192000" cy="6858000"/>
   <p:notesSz cx="6858000" cy="9144000"/>
@@ -107,6 +108,22 @@
       </a:defRPr>
     </a:lvl9pPr>
   </p:defaultTextStyle>
+  <p:extLst>
+    <p:ext uri="{EFAFB233-063F-42B5-8137-9DF3F51BA10A}">
+      <p15:sldGuideLst xmlns:p15="http://schemas.microsoft.com/office/powerpoint/2012/main" xmlns="">
+        <p15:guide id="1" orient="horz" pos="2160">
+          <p15:clr>
+            <a:srgbClr val="A4A3A4"/>
+          </p15:clr>
+        </p15:guide>
+        <p15:guide id="2" pos="3840">
+          <p15:clr>
+            <a:srgbClr val="A4A3A4"/>
+          </p15:clr>
+        </p15:guide>
+      </p15:sldGuideLst>
+    </p:ext>
+  </p:extLst>
 </p:presentation>
 </file>
 
@@ -6108,7 +6125,121 @@
   <p:timing>
     <p:tnLst>
       <p:par>
-        <p:cTn id="1" dur="indefinite" restart="never" nodeType="tmRoot"/>
+        <p:cTn id="1" dur="indefinite" restart="never" nodeType="tmRoot">
+          <p:childTnLst>
+            <p:seq concurrent="1" nextAc="seek">
+              <p:cTn id="2" dur="indefinite" nodeType="mainSeq">
+                <p:childTnLst>
+                  <p:par>
+                    <p:cTn id="3" fill="hold">
+                      <p:stCondLst>
+                        <p:cond delay="indefinite"/>
+                      </p:stCondLst>
+                      <p:childTnLst>
+                        <p:par>
+                          <p:cTn id="4" fill="hold">
+                            <p:stCondLst>
+                              <p:cond delay="0"/>
+                            </p:stCondLst>
+                            <p:childTnLst>
+                              <p:par>
+                                <p:cTn id="5" presetID="2" presetClass="entr" presetSubtype="4" fill="hold" nodeType="clickEffect">
+                                  <p:stCondLst>
+                                    <p:cond delay="0"/>
+                                  </p:stCondLst>
+                                  <p:childTnLst>
+                                    <p:set>
+                                      <p:cBhvr>
+                                        <p:cTn id="6" dur="1" fill="hold">
+                                          <p:stCondLst>
+                                            <p:cond delay="0"/>
+                                          </p:stCondLst>
+                                        </p:cTn>
+                                        <p:tgtEl>
+                                          <p:spTgt spid="8"/>
+                                        </p:tgtEl>
+                                        <p:attrNameLst>
+                                          <p:attrName>style.visibility</p:attrName>
+                                        </p:attrNameLst>
+                                      </p:cBhvr>
+                                      <p:to>
+                                        <p:strVal val="visible"/>
+                                      </p:to>
+                                    </p:set>
+                                    <p:anim calcmode="lin" valueType="num">
+                                      <p:cBhvr additive="base">
+                                        <p:cTn id="7" dur="500" fill="hold"/>
+                                        <p:tgtEl>
+                                          <p:spTgt spid="8"/>
+                                        </p:tgtEl>
+                                        <p:attrNameLst>
+                                          <p:attrName>ppt_x</p:attrName>
+                                        </p:attrNameLst>
+                                      </p:cBhvr>
+                                      <p:tavLst>
+                                        <p:tav tm="0">
+                                          <p:val>
+                                            <p:strVal val="#ppt_x"/>
+                                          </p:val>
+                                        </p:tav>
+                                        <p:tav tm="100000">
+                                          <p:val>
+                                            <p:strVal val="#ppt_x"/>
+                                          </p:val>
+                                        </p:tav>
+                                      </p:tavLst>
+                                    </p:anim>
+                                    <p:anim calcmode="lin" valueType="num">
+                                      <p:cBhvr additive="base">
+                                        <p:cTn id="8" dur="500" fill="hold"/>
+                                        <p:tgtEl>
+                                          <p:spTgt spid="8"/>
+                                        </p:tgtEl>
+                                        <p:attrNameLst>
+                                          <p:attrName>ppt_y</p:attrName>
+                                        </p:attrNameLst>
+                                      </p:cBhvr>
+                                      <p:tavLst>
+                                        <p:tav tm="0">
+                                          <p:val>
+                                            <p:strVal val="1+#ppt_h/2"/>
+                                          </p:val>
+                                        </p:tav>
+                                        <p:tav tm="100000">
+                                          <p:val>
+                                            <p:strVal val="#ppt_y"/>
+                                          </p:val>
+                                        </p:tav>
+                                      </p:tavLst>
+                                    </p:anim>
+                                  </p:childTnLst>
+                                </p:cTn>
+                              </p:par>
+                            </p:childTnLst>
+                          </p:cTn>
+                        </p:par>
+                      </p:childTnLst>
+                    </p:cTn>
+                  </p:par>
+                </p:childTnLst>
+              </p:cTn>
+              <p:prevCondLst>
+                <p:cond evt="onPrev" delay="0">
+                  <p:tgtEl>
+                    <p:sldTgt/>
+                  </p:tgtEl>
+                </p:cond>
+              </p:prevCondLst>
+              <p:nextCondLst>
+                <p:cond evt="onNext" delay="0">
+                  <p:tgtEl>
+                    <p:sldTgt/>
+                  </p:tgtEl>
+                </p:cond>
+              </p:nextCondLst>
+            </p:seq>
+          </p:childTnLst>
+        </p:cTn>
       </p:par>
     </p:tnLst>
   </p:timing>
@@ -6134,158 +6265,218 @@
       </p:grpSpPr>
       <p:sp>
         <p:nvSpPr>
-          <p:cNvPr id="2" name="Заглавие 1"/>
-          <p:cNvSpPr>
-            <a:spLocks noGrp="1"/>
-          </p:cNvSpPr>
-          <p:nvPr>
-            <p:ph type="title"/>
-          </p:nvPr>
-        </p:nvSpPr>
-        <p:spPr/>
-        <p:txBody>
-          <a:bodyPr/>
+          <p:cNvPr id="7" name="Текстово поле 6"/>
+          <p:cNvSpPr txBox="1"/>
+          <p:nvPr/>
+        </p:nvSpPr>
+        <p:spPr>
+          <a:xfrm>
+            <a:off x="178130" y="189652"/>
+            <a:ext cx="9144000" cy="523220"/>
+          </a:xfrm>
+          <a:prstGeom prst="rect">
+            <a:avLst/>
+          </a:prstGeom>
+          <a:noFill/>
+        </p:spPr>
+        <p:txBody>
+          <a:bodyPr wrap="square" rtlCol="0">
+            <a:spAutoFit/>
+          </a:bodyPr>
           <a:lstStyle/>
           <a:p>
             <a:r>
-              <a:rPr lang="bg-BG" dirty="0" smtClean="0"/>
-              <a:t>Модификации </a:t>
-            </a:r>
-            <a:r>
-              <a:rPr lang="bg-BG" dirty="0" smtClean="0"/>
-              <a:t>на играта:</a:t>
-            </a:r>
-            <a:endParaRPr lang="en-US" dirty="0"/>
-          </a:p>
-        </p:txBody>
-      </p:sp>
-      <p:sp>
-        <p:nvSpPr>
-          <p:cNvPr id="3" name="Контейнер за съдържание 2"/>
-          <p:cNvSpPr>
-            <a:spLocks noGrp="1"/>
-          </p:cNvSpPr>
-          <p:nvPr>
-            <p:ph idx="1"/>
-          </p:nvPr>
-        </p:nvSpPr>
-        <p:spPr/>
-        <p:txBody>
-          <a:bodyPr/>
+              <a:rPr lang="bg-BG" sz="2800" b="1" dirty="0" smtClean="0">
+                <a:ln w="10541" cmpd="sng">
+                  <a:solidFill>
+                    <a:schemeClr val="accent1">
+                      <a:shade val="88000"/>
+                      <a:satMod val="110000"/>
+                    </a:schemeClr>
+                  </a:solidFill>
+                  <a:prstDash val="solid"/>
+                </a:ln>
+                <a:gradFill>
+                  <a:gsLst>
+                    <a:gs pos="0">
+                      <a:schemeClr val="accent1">
+                        <a:tint val="40000"/>
+                        <a:satMod val="250000"/>
+                      </a:schemeClr>
+                    </a:gs>
+                    <a:gs pos="9000">
+                      <a:schemeClr val="accent1">
+                        <a:tint val="52000"/>
+                        <a:satMod val="300000"/>
+                      </a:schemeClr>
+                    </a:gs>
+                    <a:gs pos="50000">
+                      <a:schemeClr val="accent1">
+                        <a:shade val="20000"/>
+                        <a:satMod val="300000"/>
+                      </a:schemeClr>
+                    </a:gs>
+                    <a:gs pos="79000">
+                      <a:schemeClr val="accent1">
+                        <a:tint val="52000"/>
+                        <a:satMod val="300000"/>
+                      </a:schemeClr>
+                    </a:gs>
+                    <a:gs pos="100000">
+                      <a:schemeClr val="accent1">
+                        <a:tint val="40000"/>
+                        <a:satMod val="250000"/>
+                      </a:schemeClr>
+                    </a:gs>
+                  </a:gsLst>
+                  <a:lin ang="5400000"/>
+                </a:gradFill>
+              </a:rPr>
+              <a:t>Как се играе?</a:t>
+            </a:r>
+            <a:endParaRPr lang="bg-BG" sz="2800" b="1" dirty="0">
+              <a:ln w="10541" cmpd="sng">
+                <a:solidFill>
+                  <a:schemeClr val="accent1">
+                    <a:shade val="88000"/>
+                    <a:satMod val="110000"/>
+                  </a:schemeClr>
+                </a:solidFill>
+                <a:prstDash val="solid"/>
+              </a:ln>
+              <a:gradFill>
+                <a:gsLst>
+                  <a:gs pos="0">
+                    <a:schemeClr val="accent1">
+                      <a:tint val="40000"/>
+                      <a:satMod val="250000"/>
+                    </a:schemeClr>
+                  </a:gs>
+                  <a:gs pos="9000">
+                    <a:schemeClr val="accent1">
+                      <a:tint val="52000"/>
+                      <a:satMod val="300000"/>
+                    </a:schemeClr>
+                  </a:gs>
+                  <a:gs pos="50000">
+                    <a:schemeClr val="accent1">
+                      <a:shade val="20000"/>
+                      <a:satMod val="300000"/>
+                    </a:schemeClr>
+                  </a:gs>
+                  <a:gs pos="79000">
+                    <a:schemeClr val="accent1">
+                      <a:tint val="52000"/>
+                      <a:satMod val="300000"/>
+                    </a:schemeClr>
+                  </a:gs>
+                  <a:gs pos="100000">
+                    <a:schemeClr val="accent1">
+                      <a:tint val="40000"/>
+                      <a:satMod val="250000"/>
+                    </a:schemeClr>
+                  </a:gs>
+                </a:gsLst>
+                <a:lin ang="5400000"/>
+              </a:gradFill>
+            </a:endParaRPr>
+          </a:p>
+        </p:txBody>
+      </p:sp>
+      <p:sp>
+        <p:nvSpPr>
+          <p:cNvPr id="8" name="Текстово поле 7"/>
+          <p:cNvSpPr txBox="1"/>
+          <p:nvPr/>
+        </p:nvSpPr>
+        <p:spPr>
+          <a:xfrm>
+            <a:off x="296881" y="890648"/>
+            <a:ext cx="9322131" cy="5262979"/>
+          </a:xfrm>
+          <a:prstGeom prst="rect">
+            <a:avLst/>
+          </a:prstGeom>
+          <a:noFill/>
+        </p:spPr>
+        <p:txBody>
+          <a:bodyPr wrap="square" rtlCol="0">
+            <a:spAutoFit/>
+          </a:bodyPr>
           <a:lstStyle/>
           <a:p>
-            <a:r>
-              <a:rPr lang="ru-RU" dirty="0"/>
-              <a:t>В </a:t>
-            </a:r>
-            <a:r>
-              <a:rPr lang="ru-RU" dirty="0" err="1"/>
-              <a:t>тази</a:t>
-            </a:r>
-            <a:r>
-              <a:rPr lang="ru-RU" dirty="0"/>
-              <a:t> имплементация на </a:t>
-            </a:r>
-            <a:r>
-              <a:rPr lang="ru-RU" dirty="0" err="1"/>
-              <a:t>играта</a:t>
-            </a:r>
-            <a:r>
-              <a:rPr lang="ru-RU" dirty="0"/>
-              <a:t>, </a:t>
-            </a:r>
-            <a:r>
-              <a:rPr lang="ru-RU" dirty="0" err="1"/>
-              <a:t>цифрите</a:t>
-            </a:r>
-            <a:r>
-              <a:rPr lang="ru-RU" dirty="0"/>
-              <a:t>(</a:t>
-            </a:r>
-            <a:r>
-              <a:rPr lang="ru-RU" dirty="0" err="1"/>
-              <a:t>освен</a:t>
-            </a:r>
-            <a:r>
-              <a:rPr lang="ru-RU" dirty="0"/>
+            <a:pPr marL="342900" indent="-342900">
+              <a:buAutoNum type="arabicPeriod"/>
+            </a:pPr>
+            <a:r>
+              <a:rPr lang="bg-BG" sz="2400" dirty="0" smtClean="0"/>
+              <a:t>Стартирате играта ;</a:t>
+            </a:r>
+          </a:p>
+          <a:p>
+            <a:pPr marL="342900" indent="-342900">
+              <a:buAutoNum type="arabicPeriod"/>
+            </a:pPr>
+            <a:r>
+              <a:rPr lang="bg-BG" sz="2400" dirty="0" smtClean="0"/>
+              <a:t>След това играта ще ви пита с колко цифри искате да се играе. Тук трябва да въведете число, което да бъде в интервала от 3 до 9 включително ;</a:t>
+            </a:r>
+          </a:p>
+          <a:p>
+            <a:pPr marL="342900" indent="-342900">
+              <a:buAutoNum type="arabicPeriod"/>
+            </a:pPr>
+            <a:r>
+              <a:rPr lang="bg-BG" sz="2400" dirty="0" smtClean="0"/>
+              <a:t>Компютъра изписва съобщение, че  си е измислил число, след което се появява </a:t>
+            </a:r>
+            <a:r>
+              <a:rPr lang="bg-BG" sz="2400" dirty="0" err="1" smtClean="0"/>
+              <a:t>промпт</a:t>
+            </a:r>
+            <a:r>
+              <a:rPr lang="bg-BG" sz="2400" dirty="0" smtClean="0"/>
               <a:t> </a:t>
             </a:r>
             <a:r>
-              <a:rPr lang="ru-RU" dirty="0" err="1"/>
-              <a:t>първата</a:t>
-            </a:r>
-            <a:r>
-              <a:rPr lang="ru-RU" dirty="0"/>
-              <a:t> </a:t>
-            </a:r>
-            <a:r>
-              <a:rPr lang="ru-RU" dirty="0" smtClean="0"/>
-              <a:t>цифра) </a:t>
-            </a:r>
-            <a:r>
-              <a:rPr lang="ru-RU" dirty="0"/>
-              <a:t>на </a:t>
-            </a:r>
-            <a:r>
-              <a:rPr lang="ru-RU" dirty="0" err="1" smtClean="0"/>
-              <a:t>числото</a:t>
-            </a:r>
-            <a:r>
-              <a:rPr lang="ru-RU" dirty="0" smtClean="0"/>
-              <a:t> </a:t>
-            </a:r>
-            <a:r>
-              <a:rPr lang="ru-RU" dirty="0" err="1"/>
-              <a:t>могат</a:t>
-            </a:r>
-            <a:r>
-              <a:rPr lang="ru-RU" dirty="0"/>
-              <a:t> да </a:t>
-            </a:r>
-            <a:r>
-              <a:rPr lang="ru-RU" dirty="0" err="1"/>
-              <a:t>бъдат</a:t>
-            </a:r>
-            <a:r>
-              <a:rPr lang="ru-RU" dirty="0"/>
-              <a:t> и </a:t>
-            </a:r>
-            <a:r>
-              <a:rPr lang="ru-RU" dirty="0" smtClean="0"/>
-              <a:t>нули</a:t>
-            </a:r>
-            <a:r>
-              <a:rPr lang="en-US" dirty="0" smtClean="0"/>
-              <a:t>;</a:t>
-            </a:r>
-            <a:endParaRPr lang="bg-BG" dirty="0" smtClean="0"/>
-          </a:p>
-          <a:p>
-            <a:r>
-              <a:rPr lang="bg-BG" dirty="0" smtClean="0"/>
-              <a:t>Използват се </a:t>
-            </a:r>
-            <a:r>
-              <a:rPr lang="bg-BG" dirty="0" err="1" smtClean="0"/>
-              <a:t>жокери</a:t>
-            </a:r>
-            <a:r>
-              <a:rPr lang="bg-BG" dirty="0" smtClean="0"/>
-              <a:t> по желание на играча</a:t>
-            </a:r>
-          </a:p>
-          <a:p>
-            <a:endParaRPr lang="en-US" dirty="0" smtClean="0"/>
-          </a:p>
-          <a:p>
-            <a:endParaRPr lang="en-US" dirty="0"/>
+              <a:rPr lang="bg-BG" sz="2400" dirty="0" smtClean="0">
+                <a:solidFill>
+                  <a:schemeClr val="accent1"/>
+                </a:solidFill>
+              </a:rPr>
+              <a:t>Играч: </a:t>
+            </a:r>
+            <a:r>
+              <a:rPr lang="bg-BG" sz="2400" dirty="0" smtClean="0"/>
+              <a:t>, в който трябва да въведете число или команда.    За да получите списък с наличните команди и обяснение за това какво    правят, използвайте командата </a:t>
+            </a:r>
+            <a:r>
+              <a:rPr lang="en-US" sz="2400" dirty="0" smtClean="0">
+                <a:solidFill>
+                  <a:schemeClr val="accent1"/>
+                </a:solidFill>
+              </a:rPr>
+              <a:t>help</a:t>
+            </a:r>
+            <a:endParaRPr lang="bg-BG" sz="2400" dirty="0" smtClean="0">
+              <a:solidFill>
+                <a:schemeClr val="accent1"/>
+              </a:solidFill>
+            </a:endParaRPr>
+          </a:p>
+          <a:p>
+            <a:r>
+              <a:rPr lang="bg-BG" sz="2400" dirty="0" smtClean="0"/>
+              <a:t>4.  След всяко въведено, валидно, число компютърът ще ви съобщава броя на биковете и кравите. Ако познаете числото, компютърът ще ви изпише съобщение, което съдържа броя на предположенията, които са ви били нужни, за да разкриете тайното му число </a:t>
+            </a:r>
+            <a:endParaRPr lang="bg-BG" sz="2400" dirty="0"/>
           </a:p>
         </p:txBody>
       </p:sp>
     </p:spTree>
     <p:extLst>
       <p:ext uri="{BB962C8B-B14F-4D97-AF65-F5344CB8AC3E}">
-        <p14:creationId xmlns:p14="http://schemas.microsoft.com/office/powerpoint/2010/main" val="2547901454"/>
+        <p14:creationId xmlns:p14="http://schemas.microsoft.com/office/powerpoint/2010/main" val="107248914"/>
       </p:ext>
     </p:extLst>
   </p:cSld>
@@ -6295,9 +6486,218 @@
   <p:timing>
     <p:tnLst>
       <p:par>
-        <p:cTn id="1" dur="indefinite" restart="never" nodeType="tmRoot"/>
+        <p:cTn id="1" dur="indefinite" restart="never" nodeType="tmRoot">
+          <p:childTnLst>
+            <p:seq concurrent="1" nextAc="seek">
+              <p:cTn id="2" dur="indefinite" nodeType="mainSeq">
+                <p:childTnLst>
+                  <p:par>
+                    <p:cTn id="3" fill="hold">
+                      <p:stCondLst>
+                        <p:cond delay="indefinite"/>
+                      </p:stCondLst>
+                      <p:childTnLst>
+                        <p:par>
+                          <p:cTn id="4" fill="hold">
+                            <p:stCondLst>
+                              <p:cond delay="0"/>
+                            </p:stCondLst>
+                            <p:childTnLst>
+                              <p:par>
+                                <p:cTn id="5" presetID="2" presetClass="entr" presetSubtype="4" fill="hold" grpId="0" nodeType="clickEffect">
+                                  <p:stCondLst>
+                                    <p:cond delay="0"/>
+                                  </p:stCondLst>
+                                  <p:childTnLst>
+                                    <p:set>
+                                      <p:cBhvr>
+                                        <p:cTn id="6" dur="1" fill="hold">
+                                          <p:stCondLst>
+                                            <p:cond delay="0"/>
+                                          </p:stCondLst>
+                                        </p:cTn>
+                                        <p:tgtEl>
+                                          <p:spTgt spid="7"/>
+                                        </p:tgtEl>
+                                        <p:attrNameLst>
+                                          <p:attrName>style.visibility</p:attrName>
+                                        </p:attrNameLst>
+                                      </p:cBhvr>
+                                      <p:to>
+                                        <p:strVal val="visible"/>
+                                      </p:to>
+                                    </p:set>
+                                    <p:anim calcmode="lin" valueType="num">
+                                      <p:cBhvr additive="base">
+                                        <p:cTn id="7" dur="500" fill="hold"/>
+                                        <p:tgtEl>
+                                          <p:spTgt spid="7"/>
+                                        </p:tgtEl>
+                                        <p:attrNameLst>
+                                          <p:attrName>ppt_x</p:attrName>
+                                        </p:attrNameLst>
+                                      </p:cBhvr>
+                                      <p:tavLst>
+                                        <p:tav tm="0">
+                                          <p:val>
+                                            <p:strVal val="#ppt_x"/>
+                                          </p:val>
+                                        </p:tav>
+                                        <p:tav tm="100000">
+                                          <p:val>
+                                            <p:strVal val="#ppt_x"/>
+                                          </p:val>
+                                        </p:tav>
+                                      </p:tavLst>
+                                    </p:anim>
+                                    <p:anim calcmode="lin" valueType="num">
+                                      <p:cBhvr additive="base">
+                                        <p:cTn id="8" dur="500" fill="hold"/>
+                                        <p:tgtEl>
+                                          <p:spTgt spid="7"/>
+                                        </p:tgtEl>
+                                        <p:attrNameLst>
+                                          <p:attrName>ppt_y</p:attrName>
+                                        </p:attrNameLst>
+                                      </p:cBhvr>
+                                      <p:tavLst>
+                                        <p:tav tm="0">
+                                          <p:val>
+                                            <p:strVal val="1+#ppt_h/2"/>
+                                          </p:val>
+                                        </p:tav>
+                                        <p:tav tm="100000">
+                                          <p:val>
+                                            <p:strVal val="#ppt_y"/>
+                                          </p:val>
+                                        </p:tav>
+                                      </p:tavLst>
+                                    </p:anim>
+                                  </p:childTnLst>
+                                </p:cTn>
+                              </p:par>
+                            </p:childTnLst>
+                          </p:cTn>
+                        </p:par>
+                      </p:childTnLst>
+                    </p:cTn>
+                  </p:par>
+                  <p:par>
+                    <p:cTn id="9" fill="hold">
+                      <p:stCondLst>
+                        <p:cond delay="indefinite"/>
+                      </p:stCondLst>
+                      <p:childTnLst>
+                        <p:par>
+                          <p:cTn id="10" fill="hold">
+                            <p:stCondLst>
+                              <p:cond delay="0"/>
+                            </p:stCondLst>
+                            <p:childTnLst>
+                              <p:par>
+                                <p:cTn id="11" presetID="2" presetClass="entr" presetSubtype="4" fill="hold" grpId="0" nodeType="clickEffect">
+                                  <p:stCondLst>
+                                    <p:cond delay="0"/>
+                                  </p:stCondLst>
+                                  <p:childTnLst>
+                                    <p:set>
+                                      <p:cBhvr>
+                                        <p:cTn id="12" dur="1" fill="hold">
+                                          <p:stCondLst>
+                                            <p:cond delay="0"/>
+                                          </p:stCondLst>
+                                        </p:cTn>
+                                        <p:tgtEl>
+                                          <p:spTgt spid="8"/>
+                                        </p:tgtEl>
+                                        <p:attrNameLst>
+                                          <p:attrName>style.visibility</p:attrName>
+                                        </p:attrNameLst>
+                                      </p:cBhvr>
+                                      <p:to>
+                                        <p:strVal val="visible"/>
+                                      </p:to>
+                                    </p:set>
+                                    <p:anim calcmode="lin" valueType="num">
+                                      <p:cBhvr additive="base">
+                                        <p:cTn id="13" dur="500" fill="hold"/>
+                                        <p:tgtEl>
+                                          <p:spTgt spid="8"/>
+                                        </p:tgtEl>
+                                        <p:attrNameLst>
+                                          <p:attrName>ppt_x</p:attrName>
+                                        </p:attrNameLst>
+                                      </p:cBhvr>
+                                      <p:tavLst>
+                                        <p:tav tm="0">
+                                          <p:val>
+                                            <p:strVal val="#ppt_x"/>
+                                          </p:val>
+                                        </p:tav>
+                                        <p:tav tm="100000">
+                                          <p:val>
+                                            <p:strVal val="#ppt_x"/>
+                                          </p:val>
+                                        </p:tav>
+                                      </p:tavLst>
+                                    </p:anim>
+                                    <p:anim calcmode="lin" valueType="num">
+                                      <p:cBhvr additive="base">
+                                        <p:cTn id="14" dur="500" fill="hold"/>
+                                        <p:tgtEl>
+                                          <p:spTgt spid="8"/>
+                                        </p:tgtEl>
+                                        <p:attrNameLst>
+                                          <p:attrName>ppt_y</p:attrName>
+                                        </p:attrNameLst>
+                                      </p:cBhvr>
+                                      <p:tavLst>
+                                        <p:tav tm="0">
+                                          <p:val>
+                                            <p:strVal val="1+#ppt_h/2"/>
+                                          </p:val>
+                                        </p:tav>
+                                        <p:tav tm="100000">
+                                          <p:val>
+                                            <p:strVal val="#ppt_y"/>
+                                          </p:val>
+                                        </p:tav>
+                                      </p:tavLst>
+                                    </p:anim>
+                                  </p:childTnLst>
+                                </p:cTn>
+                              </p:par>
+                            </p:childTnLst>
+                          </p:cTn>
+                        </p:par>
+                      </p:childTnLst>
+                    </p:cTn>
+                  </p:par>
+                </p:childTnLst>
+              </p:cTn>
+              <p:prevCondLst>
+                <p:cond evt="onPrev" delay="0">
+                  <p:tgtEl>
+                    <p:sldTgt/>
+                  </p:tgtEl>
+                </p:cond>
+              </p:prevCondLst>
+              <p:nextCondLst>
+                <p:cond evt="onNext" delay="0">
+                  <p:tgtEl>
+                    <p:sldTgt/>
+                  </p:tgtEl>
+                </p:cond>
+              </p:nextCondLst>
+            </p:seq>
+          </p:childTnLst>
+        </p:cTn>
       </p:par>
     </p:tnLst>
+    <p:bldLst>
+      <p:bldP spid="7" grpId="0"/>
+      <p:bldP spid="8" grpId="0"/>
+    </p:bldLst>
   </p:timing>
 </p:sld>
 </file>
@@ -7065,15 +7465,33 @@
                                   </p:childTnLst>
                                 </p:cTn>
                               </p:par>
+                            </p:childTnLst>
+                          </p:cTn>
+                        </p:par>
+                      </p:childTnLst>
+                    </p:cTn>
+                  </p:par>
+                  <p:par>
+                    <p:cTn id="15" fill="hold">
+                      <p:stCondLst>
+                        <p:cond delay="indefinite"/>
+                      </p:stCondLst>
+                      <p:childTnLst>
+                        <p:par>
+                          <p:cTn id="16" fill="hold">
+                            <p:stCondLst>
+                              <p:cond delay="0"/>
+                            </p:stCondLst>
+                            <p:childTnLst>
                               <p:par>
-                                <p:cTn id="15" presetID="2" presetClass="entr" presetSubtype="4" fill="hold" grpId="0" nodeType="withEffect">
+                                <p:cTn id="17" presetID="2" presetClass="entr" presetSubtype="4" fill="hold" grpId="0" nodeType="clickEffect">
                                   <p:stCondLst>
                                     <p:cond delay="0"/>
                                   </p:stCondLst>
                                   <p:childTnLst>
                                     <p:set>
                                       <p:cBhvr>
-                                        <p:cTn id="16" dur="1" fill="hold">
+                                        <p:cTn id="18" dur="1" fill="hold">
                                           <p:stCondLst>
                                             <p:cond delay="0"/>
                                           </p:stCondLst>
@@ -7091,7 +7509,7 @@
                                     </p:set>
                                     <p:anim calcmode="lin" valueType="num">
                                       <p:cBhvr additive="base">
-                                        <p:cTn id="17" dur="500" fill="hold"/>
+                                        <p:cTn id="19" dur="500" fill="hold"/>
                                         <p:tgtEl>
                                           <p:spTgt spid="10"/>
                                         </p:tgtEl>
@@ -7114,7 +7532,7 @@
                                     </p:anim>
                                     <p:anim calcmode="lin" valueType="num">
                                       <p:cBhvr additive="base">
-                                        <p:cTn id="18" dur="500" fill="hold"/>
+                                        <p:cTn id="20" dur="500" fill="hold"/>
                                         <p:tgtEl>
                                           <p:spTgt spid="10"/>
                                         </p:tgtEl>
@@ -7138,15 +7556,33 @@
                                   </p:childTnLst>
                                 </p:cTn>
                               </p:par>
+                            </p:childTnLst>
+                          </p:cTn>
+                        </p:par>
+                      </p:childTnLst>
+                    </p:cTn>
+                  </p:par>
+                  <p:par>
+                    <p:cTn id="21" fill="hold">
+                      <p:stCondLst>
+                        <p:cond delay="indefinite"/>
+                      </p:stCondLst>
+                      <p:childTnLst>
+                        <p:par>
+                          <p:cTn id="22" fill="hold">
+                            <p:stCondLst>
+                              <p:cond delay="0"/>
+                            </p:stCondLst>
+                            <p:childTnLst>
                               <p:par>
-                                <p:cTn id="19" presetID="2" presetClass="entr" presetSubtype="4" fill="hold" nodeType="withEffect">
+                                <p:cTn id="23" presetID="2" presetClass="entr" presetSubtype="4" fill="hold" nodeType="clickEffect">
                                   <p:stCondLst>
                                     <p:cond delay="0"/>
                                   </p:stCondLst>
                                   <p:childTnLst>
                                     <p:set>
                                       <p:cBhvr>
-                                        <p:cTn id="20" dur="1" fill="hold">
+                                        <p:cTn id="24" dur="1" fill="hold">
                                           <p:stCondLst>
                                             <p:cond delay="0"/>
                                           </p:stCondLst>
@@ -7164,7 +7600,7 @@
                                     </p:set>
                                     <p:anim calcmode="lin" valueType="num">
                                       <p:cBhvr additive="base">
-                                        <p:cTn id="21" dur="500" fill="hold"/>
+                                        <p:cTn id="25" dur="500" fill="hold"/>
                                         <p:tgtEl>
                                           <p:spTgt spid="15"/>
                                         </p:tgtEl>
@@ -7187,7 +7623,7 @@
                                     </p:anim>
                                     <p:anim calcmode="lin" valueType="num">
                                       <p:cBhvr additive="base">
-                                        <p:cTn id="22" dur="500" fill="hold"/>
+                                        <p:cTn id="26" dur="500" fill="hold"/>
                                         <p:tgtEl>
                                           <p:spTgt spid="15"/>
                                         </p:tgtEl>
@@ -7218,26 +7654,26 @@
                     </p:cTn>
                   </p:par>
                   <p:par>
-                    <p:cTn id="23" fill="hold">
+                    <p:cTn id="27" fill="hold">
                       <p:stCondLst>
                         <p:cond delay="indefinite"/>
                       </p:stCondLst>
                       <p:childTnLst>
                         <p:par>
-                          <p:cTn id="24" fill="hold">
+                          <p:cTn id="28" fill="hold">
                             <p:stCondLst>
                               <p:cond delay="0"/>
                             </p:stCondLst>
                             <p:childTnLst>
                               <p:par>
-                                <p:cTn id="25" presetID="2" presetClass="entr" presetSubtype="4" fill="hold" grpId="0" nodeType="clickEffect">
+                                <p:cTn id="29" presetID="2" presetClass="entr" presetSubtype="4" fill="hold" grpId="0" nodeType="clickEffect">
                                   <p:stCondLst>
                                     <p:cond delay="0"/>
                                   </p:stCondLst>
                                   <p:childTnLst>
                                     <p:set>
                                       <p:cBhvr>
-                                        <p:cTn id="26" dur="1" fill="hold">
+                                        <p:cTn id="30" dur="1" fill="hold">
                                           <p:stCondLst>
                                             <p:cond delay="0"/>
                                           </p:stCondLst>
@@ -7259,7 +7695,7 @@
                                     </p:set>
                                     <p:anim calcmode="lin" valueType="num">
                                       <p:cBhvr additive="base">
-                                        <p:cTn id="27" dur="500" fill="hold"/>
+                                        <p:cTn id="31" dur="500" fill="hold"/>
                                         <p:tgtEl>
                                           <p:spTgt spid="5">
                                             <p:txEl>
@@ -7286,7 +7722,7 @@
                                     </p:anim>
                                     <p:anim calcmode="lin" valueType="num">
                                       <p:cBhvr additive="base">
-                                        <p:cTn id="28" dur="500" fill="hold"/>
+                                        <p:cTn id="32" dur="500" fill="hold"/>
                                         <p:tgtEl>
                                           <p:spTgt spid="5">
                                             <p:txEl>
@@ -7314,15 +7750,33 @@
                                   </p:childTnLst>
                                 </p:cTn>
                               </p:par>
+                            </p:childTnLst>
+                          </p:cTn>
+                        </p:par>
+                      </p:childTnLst>
+                    </p:cTn>
+                  </p:par>
+                  <p:par>
+                    <p:cTn id="33" fill="hold">
+                      <p:stCondLst>
+                        <p:cond delay="indefinite"/>
+                      </p:stCondLst>
+                      <p:childTnLst>
+                        <p:par>
+                          <p:cTn id="34" fill="hold">
+                            <p:stCondLst>
+                              <p:cond delay="0"/>
+                            </p:stCondLst>
+                            <p:childTnLst>
                               <p:par>
-                                <p:cTn id="29" presetID="2" presetClass="entr" presetSubtype="4" fill="hold" grpId="0" nodeType="withEffect">
+                                <p:cTn id="35" presetID="2" presetClass="entr" presetSubtype="4" fill="hold" grpId="0" nodeType="clickEffect">
                                   <p:stCondLst>
                                     <p:cond delay="0"/>
                                   </p:stCondLst>
                                   <p:childTnLst>
                                     <p:set>
                                       <p:cBhvr>
-                                        <p:cTn id="30" dur="1" fill="hold">
+                                        <p:cTn id="36" dur="1" fill="hold">
                                           <p:stCondLst>
                                             <p:cond delay="0"/>
                                           </p:stCondLst>
@@ -7340,7 +7794,7 @@
                                     </p:set>
                                     <p:anim calcmode="lin" valueType="num">
                                       <p:cBhvr additive="base">
-                                        <p:cTn id="31" dur="500" fill="hold"/>
+                                        <p:cTn id="37" dur="500" fill="hold"/>
                                         <p:tgtEl>
                                           <p:spTgt spid="11"/>
                                         </p:tgtEl>
@@ -7363,7 +7817,7 @@
                                     </p:anim>
                                     <p:anim calcmode="lin" valueType="num">
                                       <p:cBhvr additive="base">
-                                        <p:cTn id="32" dur="500" fill="hold"/>
+                                        <p:cTn id="38" dur="500" fill="hold"/>
                                         <p:tgtEl>
                                           <p:spTgt spid="11"/>
                                         </p:tgtEl>
@@ -7387,15 +7841,33 @@
                                   </p:childTnLst>
                                 </p:cTn>
                               </p:par>
+                            </p:childTnLst>
+                          </p:cTn>
+                        </p:par>
+                      </p:childTnLst>
+                    </p:cTn>
+                  </p:par>
+                  <p:par>
+                    <p:cTn id="39" fill="hold">
+                      <p:stCondLst>
+                        <p:cond delay="indefinite"/>
+                      </p:stCondLst>
+                      <p:childTnLst>
+                        <p:par>
+                          <p:cTn id="40" fill="hold">
+                            <p:stCondLst>
+                              <p:cond delay="0"/>
+                            </p:stCondLst>
+                            <p:childTnLst>
                               <p:par>
-                                <p:cTn id="33" presetID="2" presetClass="entr" presetSubtype="4" fill="hold" nodeType="withEffect">
+                                <p:cTn id="41" presetID="2" presetClass="entr" presetSubtype="4" fill="hold" nodeType="clickEffect">
                                   <p:stCondLst>
                                     <p:cond delay="0"/>
                                   </p:stCondLst>
                                   <p:childTnLst>
                                     <p:set>
                                       <p:cBhvr>
-                                        <p:cTn id="34" dur="1" fill="hold">
+                                        <p:cTn id="42" dur="1" fill="hold">
                                           <p:stCondLst>
                                             <p:cond delay="0"/>
                                           </p:stCondLst>
@@ -7413,7 +7885,7 @@
                                     </p:set>
                                     <p:anim calcmode="lin" valueType="num">
                                       <p:cBhvr additive="base">
-                                        <p:cTn id="35" dur="500" fill="hold"/>
+                                        <p:cTn id="43" dur="500" fill="hold"/>
                                         <p:tgtEl>
                                           <p:spTgt spid="13"/>
                                         </p:tgtEl>
@@ -7436,7 +7908,7 @@
                                     </p:anim>
                                     <p:anim calcmode="lin" valueType="num">
                                       <p:cBhvr additive="base">
-                                        <p:cTn id="36" dur="500" fill="hold"/>
+                                        <p:cTn id="44" dur="500" fill="hold"/>
                                         <p:tgtEl>
                                           <p:spTgt spid="13"/>
                                         </p:tgtEl>
@@ -7517,28 +7989,545 @@
       </p:grpSpPr>
       <p:sp>
         <p:nvSpPr>
-          <p:cNvPr id="7" name="Текстово поле 6"/>
-          <p:cNvSpPr txBox="1"/>
-          <p:nvPr/>
+          <p:cNvPr id="2" name="Заглавие 1"/>
+          <p:cNvSpPr>
+            <a:spLocks noGrp="1"/>
+          </p:cNvSpPr>
+          <p:nvPr>
+            <p:ph type="title"/>
+          </p:nvPr>
         </p:nvSpPr>
         <p:spPr>
           <a:xfrm>
-            <a:off x="178130" y="189652"/>
-            <a:ext cx="9144000" cy="523220"/>
+            <a:off x="677334" y="609600"/>
+            <a:ext cx="8596668" cy="816864"/>
           </a:xfrm>
-          <a:prstGeom prst="rect">
-            <a:avLst/>
-          </a:prstGeom>
-          <a:noFill/>
         </p:spPr>
         <p:txBody>
-          <a:bodyPr wrap="square" rtlCol="0">
-            <a:spAutoFit/>
+          <a:bodyPr/>
+          <a:lstStyle/>
+          <a:p>
+            <a:r>
+              <a:rPr lang="bg-BG" dirty="0" smtClean="0"/>
+              <a:t>Модификации на играта:</a:t>
+            </a:r>
+            <a:endParaRPr lang="en-US" dirty="0"/>
+          </a:p>
+        </p:txBody>
+      </p:sp>
+      <p:sp>
+        <p:nvSpPr>
+          <p:cNvPr id="3" name="Контейнер за съдържание 2"/>
+          <p:cNvSpPr>
+            <a:spLocks noGrp="1"/>
+          </p:cNvSpPr>
+          <p:nvPr>
+            <p:ph idx="1"/>
+          </p:nvPr>
+        </p:nvSpPr>
+        <p:spPr>
+          <a:xfrm>
+            <a:off x="908982" y="1453453"/>
+            <a:ext cx="8596668" cy="3880773"/>
+          </a:xfrm>
+        </p:spPr>
+        <p:txBody>
+          <a:bodyPr/>
+          <a:lstStyle/>
+          <a:p>
+            <a:r>
+              <a:rPr lang="ru-RU" sz="2000" dirty="0"/>
+              <a:t>В </a:t>
+            </a:r>
+            <a:r>
+              <a:rPr lang="ru-RU" sz="2000" dirty="0" err="1"/>
+              <a:t>тази</a:t>
+            </a:r>
+            <a:r>
+              <a:rPr lang="ru-RU" sz="2000" dirty="0"/>
+              <a:t> имплементация на </a:t>
+            </a:r>
+            <a:r>
+              <a:rPr lang="ru-RU" sz="2000" dirty="0" err="1"/>
+              <a:t>играта</a:t>
+            </a:r>
+            <a:r>
+              <a:rPr lang="ru-RU" sz="2000" dirty="0"/>
+              <a:t>, </a:t>
+            </a:r>
+            <a:r>
+              <a:rPr lang="ru-RU" sz="2000" dirty="0" err="1"/>
+              <a:t>цифрите</a:t>
+            </a:r>
+            <a:r>
+              <a:rPr lang="ru-RU" sz="2000" dirty="0"/>
+              <a:t>(</a:t>
+            </a:r>
+            <a:r>
+              <a:rPr lang="ru-RU" sz="2000" dirty="0" err="1"/>
+              <a:t>освен</a:t>
+            </a:r>
+            <a:r>
+              <a:rPr lang="ru-RU" sz="2000" dirty="0"/>
+              <a:t> </a:t>
+            </a:r>
+            <a:r>
+              <a:rPr lang="ru-RU" sz="2000" dirty="0" err="1"/>
+              <a:t>първата</a:t>
+            </a:r>
+            <a:r>
+              <a:rPr lang="ru-RU" sz="2000" dirty="0"/>
+              <a:t> </a:t>
+            </a:r>
+            <a:r>
+              <a:rPr lang="ru-RU" sz="2000" dirty="0" smtClean="0"/>
+              <a:t>цифра) </a:t>
+            </a:r>
+            <a:r>
+              <a:rPr lang="ru-RU" sz="2000" dirty="0"/>
+              <a:t>на </a:t>
+            </a:r>
+            <a:r>
+              <a:rPr lang="ru-RU" sz="2000" dirty="0" err="1" smtClean="0"/>
+              <a:t>числото</a:t>
+            </a:r>
+            <a:r>
+              <a:rPr lang="ru-RU" sz="2000" dirty="0" smtClean="0"/>
+              <a:t> </a:t>
+            </a:r>
+            <a:r>
+              <a:rPr lang="ru-RU" sz="2000" dirty="0" err="1"/>
+              <a:t>могат</a:t>
+            </a:r>
+            <a:r>
+              <a:rPr lang="ru-RU" sz="2000" dirty="0"/>
+              <a:t> да </a:t>
+            </a:r>
+            <a:r>
+              <a:rPr lang="ru-RU" sz="2000" dirty="0" err="1"/>
+              <a:t>бъдат</a:t>
+            </a:r>
+            <a:r>
+              <a:rPr lang="ru-RU" sz="2000" dirty="0"/>
+              <a:t> и </a:t>
+            </a:r>
+            <a:r>
+              <a:rPr lang="ru-RU" sz="2000" dirty="0" smtClean="0"/>
+              <a:t>нули</a:t>
+            </a:r>
+            <a:r>
+              <a:rPr lang="en-US" sz="2000" dirty="0" smtClean="0"/>
+              <a:t>;</a:t>
+            </a:r>
+            <a:endParaRPr lang="bg-BG" sz="2000" dirty="0" smtClean="0"/>
+          </a:p>
+          <a:p>
+            <a:r>
+              <a:rPr lang="bg-BG" sz="2000" dirty="0" smtClean="0"/>
+              <a:t>Използват се </a:t>
+            </a:r>
+            <a:r>
+              <a:rPr lang="bg-BG" sz="2000" dirty="0" err="1" smtClean="0"/>
+              <a:t>жокери</a:t>
+            </a:r>
+            <a:r>
+              <a:rPr lang="bg-BG" sz="2000" dirty="0" smtClean="0"/>
+              <a:t> по желание на играча</a:t>
+            </a:r>
+          </a:p>
+          <a:p>
+            <a:endParaRPr lang="en-US" dirty="0" smtClean="0"/>
+          </a:p>
+          <a:p>
+            <a:endParaRPr lang="en-US" dirty="0"/>
+          </a:p>
+        </p:txBody>
+      </p:sp>
+    </p:spTree>
+    <p:extLst>
+      <p:ext uri="{BB962C8B-B14F-4D97-AF65-F5344CB8AC3E}">
+        <p14:creationId xmlns:p14="http://schemas.microsoft.com/office/powerpoint/2010/main" val="2547901454"/>
+      </p:ext>
+    </p:extLst>
+  </p:cSld>
+  <p:clrMapOvr>
+    <a:masterClrMapping/>
+  </p:clrMapOvr>
+  <p:timing>
+    <p:tnLst>
+      <p:par>
+        <p:cTn id="1" dur="indefinite" restart="never" nodeType="tmRoot">
+          <p:childTnLst>
+            <p:seq concurrent="1" nextAc="seek">
+              <p:cTn id="2" dur="indefinite" nodeType="mainSeq">
+                <p:childTnLst>
+                  <p:par>
+                    <p:cTn id="3" fill="hold">
+                      <p:stCondLst>
+                        <p:cond delay="indefinite"/>
+                      </p:stCondLst>
+                      <p:childTnLst>
+                        <p:par>
+                          <p:cTn id="4" fill="hold">
+                            <p:stCondLst>
+                              <p:cond delay="0"/>
+                            </p:stCondLst>
+                            <p:childTnLst>
+                              <p:par>
+                                <p:cTn id="5" presetID="2" presetClass="entr" presetSubtype="4" fill="hold" grpId="0" nodeType="clickEffect">
+                                  <p:stCondLst>
+                                    <p:cond delay="0"/>
+                                  </p:stCondLst>
+                                  <p:childTnLst>
+                                    <p:set>
+                                      <p:cBhvr>
+                                        <p:cTn id="6" dur="1" fill="hold">
+                                          <p:stCondLst>
+                                            <p:cond delay="0"/>
+                                          </p:stCondLst>
+                                        </p:cTn>
+                                        <p:tgtEl>
+                                          <p:spTgt spid="2"/>
+                                        </p:tgtEl>
+                                        <p:attrNameLst>
+                                          <p:attrName>style.visibility</p:attrName>
+                                        </p:attrNameLst>
+                                      </p:cBhvr>
+                                      <p:to>
+                                        <p:strVal val="visible"/>
+                                      </p:to>
+                                    </p:set>
+                                    <p:anim calcmode="lin" valueType="num">
+                                      <p:cBhvr additive="base">
+                                        <p:cTn id="7" dur="500" fill="hold"/>
+                                        <p:tgtEl>
+                                          <p:spTgt spid="2"/>
+                                        </p:tgtEl>
+                                        <p:attrNameLst>
+                                          <p:attrName>ppt_x</p:attrName>
+                                        </p:attrNameLst>
+                                      </p:cBhvr>
+                                      <p:tavLst>
+                                        <p:tav tm="0">
+                                          <p:val>
+                                            <p:strVal val="#ppt_x"/>
+                                          </p:val>
+                                        </p:tav>
+                                        <p:tav tm="100000">
+                                          <p:val>
+                                            <p:strVal val="#ppt_x"/>
+                                          </p:val>
+                                        </p:tav>
+                                      </p:tavLst>
+                                    </p:anim>
+                                    <p:anim calcmode="lin" valueType="num">
+                                      <p:cBhvr additive="base">
+                                        <p:cTn id="8" dur="500" fill="hold"/>
+                                        <p:tgtEl>
+                                          <p:spTgt spid="2"/>
+                                        </p:tgtEl>
+                                        <p:attrNameLst>
+                                          <p:attrName>ppt_y</p:attrName>
+                                        </p:attrNameLst>
+                                      </p:cBhvr>
+                                      <p:tavLst>
+                                        <p:tav tm="0">
+                                          <p:val>
+                                            <p:strVal val="1+#ppt_h/2"/>
+                                          </p:val>
+                                        </p:tav>
+                                        <p:tav tm="100000">
+                                          <p:val>
+                                            <p:strVal val="#ppt_y"/>
+                                          </p:val>
+                                        </p:tav>
+                                      </p:tavLst>
+                                    </p:anim>
+                                  </p:childTnLst>
+                                </p:cTn>
+                              </p:par>
+                            </p:childTnLst>
+                          </p:cTn>
+                        </p:par>
+                      </p:childTnLst>
+                    </p:cTn>
+                  </p:par>
+                  <p:par>
+                    <p:cTn id="9" fill="hold">
+                      <p:stCondLst>
+                        <p:cond delay="indefinite"/>
+                      </p:stCondLst>
+                      <p:childTnLst>
+                        <p:par>
+                          <p:cTn id="10" fill="hold">
+                            <p:stCondLst>
+                              <p:cond delay="0"/>
+                            </p:stCondLst>
+                            <p:childTnLst>
+                              <p:par>
+                                <p:cTn id="11" presetID="2" presetClass="entr" presetSubtype="4" fill="hold" grpId="0" nodeType="clickEffect">
+                                  <p:stCondLst>
+                                    <p:cond delay="0"/>
+                                  </p:stCondLst>
+                                  <p:childTnLst>
+                                    <p:set>
+                                      <p:cBhvr>
+                                        <p:cTn id="12" dur="1" fill="hold">
+                                          <p:stCondLst>
+                                            <p:cond delay="0"/>
+                                          </p:stCondLst>
+                                        </p:cTn>
+                                        <p:tgtEl>
+                                          <p:spTgt spid="3">
+                                            <p:txEl>
+                                              <p:pRg st="0" end="0"/>
+                                            </p:txEl>
+                                          </p:spTgt>
+                                        </p:tgtEl>
+                                        <p:attrNameLst>
+                                          <p:attrName>style.visibility</p:attrName>
+                                        </p:attrNameLst>
+                                      </p:cBhvr>
+                                      <p:to>
+                                        <p:strVal val="visible"/>
+                                      </p:to>
+                                    </p:set>
+                                    <p:anim calcmode="lin" valueType="num">
+                                      <p:cBhvr additive="base">
+                                        <p:cTn id="13" dur="500" fill="hold"/>
+                                        <p:tgtEl>
+                                          <p:spTgt spid="3">
+                                            <p:txEl>
+                                              <p:pRg st="0" end="0"/>
+                                            </p:txEl>
+                                          </p:spTgt>
+                                        </p:tgtEl>
+                                        <p:attrNameLst>
+                                          <p:attrName>ppt_x</p:attrName>
+                                        </p:attrNameLst>
+                                      </p:cBhvr>
+                                      <p:tavLst>
+                                        <p:tav tm="0">
+                                          <p:val>
+                                            <p:strVal val="#ppt_x"/>
+                                          </p:val>
+                                        </p:tav>
+                                        <p:tav tm="100000">
+                                          <p:val>
+                                            <p:strVal val="#ppt_x"/>
+                                          </p:val>
+                                        </p:tav>
+                                      </p:tavLst>
+                                    </p:anim>
+                                    <p:anim calcmode="lin" valueType="num">
+                                      <p:cBhvr additive="base">
+                                        <p:cTn id="14" dur="500" fill="hold"/>
+                                        <p:tgtEl>
+                                          <p:spTgt spid="3">
+                                            <p:txEl>
+                                              <p:pRg st="0" end="0"/>
+                                            </p:txEl>
+                                          </p:spTgt>
+                                        </p:tgtEl>
+                                        <p:attrNameLst>
+                                          <p:attrName>ppt_y</p:attrName>
+                                        </p:attrNameLst>
+                                      </p:cBhvr>
+                                      <p:tavLst>
+                                        <p:tav tm="0">
+                                          <p:val>
+                                            <p:strVal val="1+#ppt_h/2"/>
+                                          </p:val>
+                                        </p:tav>
+                                        <p:tav tm="100000">
+                                          <p:val>
+                                            <p:strVal val="#ppt_y"/>
+                                          </p:val>
+                                        </p:tav>
+                                      </p:tavLst>
+                                    </p:anim>
+                                  </p:childTnLst>
+                                </p:cTn>
+                              </p:par>
+                            </p:childTnLst>
+                          </p:cTn>
+                        </p:par>
+                      </p:childTnLst>
+                    </p:cTn>
+                  </p:par>
+                  <p:par>
+                    <p:cTn id="15" fill="hold">
+                      <p:stCondLst>
+                        <p:cond delay="indefinite"/>
+                      </p:stCondLst>
+                      <p:childTnLst>
+                        <p:par>
+                          <p:cTn id="16" fill="hold">
+                            <p:stCondLst>
+                              <p:cond delay="0"/>
+                            </p:stCondLst>
+                            <p:childTnLst>
+                              <p:par>
+                                <p:cTn id="17" presetID="2" presetClass="entr" presetSubtype="4" fill="hold" grpId="0" nodeType="clickEffect">
+                                  <p:stCondLst>
+                                    <p:cond delay="0"/>
+                                  </p:stCondLst>
+                                  <p:childTnLst>
+                                    <p:set>
+                                      <p:cBhvr>
+                                        <p:cTn id="18" dur="1" fill="hold">
+                                          <p:stCondLst>
+                                            <p:cond delay="0"/>
+                                          </p:stCondLst>
+                                        </p:cTn>
+                                        <p:tgtEl>
+                                          <p:spTgt spid="3">
+                                            <p:txEl>
+                                              <p:pRg st="1" end="1"/>
+                                            </p:txEl>
+                                          </p:spTgt>
+                                        </p:tgtEl>
+                                        <p:attrNameLst>
+                                          <p:attrName>style.visibility</p:attrName>
+                                        </p:attrNameLst>
+                                      </p:cBhvr>
+                                      <p:to>
+                                        <p:strVal val="visible"/>
+                                      </p:to>
+                                    </p:set>
+                                    <p:anim calcmode="lin" valueType="num">
+                                      <p:cBhvr additive="base">
+                                        <p:cTn id="19" dur="500" fill="hold"/>
+                                        <p:tgtEl>
+                                          <p:spTgt spid="3">
+                                            <p:txEl>
+                                              <p:pRg st="1" end="1"/>
+                                            </p:txEl>
+                                          </p:spTgt>
+                                        </p:tgtEl>
+                                        <p:attrNameLst>
+                                          <p:attrName>ppt_x</p:attrName>
+                                        </p:attrNameLst>
+                                      </p:cBhvr>
+                                      <p:tavLst>
+                                        <p:tav tm="0">
+                                          <p:val>
+                                            <p:strVal val="#ppt_x"/>
+                                          </p:val>
+                                        </p:tav>
+                                        <p:tav tm="100000">
+                                          <p:val>
+                                            <p:strVal val="#ppt_x"/>
+                                          </p:val>
+                                        </p:tav>
+                                      </p:tavLst>
+                                    </p:anim>
+                                    <p:anim calcmode="lin" valueType="num">
+                                      <p:cBhvr additive="base">
+                                        <p:cTn id="20" dur="500" fill="hold"/>
+                                        <p:tgtEl>
+                                          <p:spTgt spid="3">
+                                            <p:txEl>
+                                              <p:pRg st="1" end="1"/>
+                                            </p:txEl>
+                                          </p:spTgt>
+                                        </p:tgtEl>
+                                        <p:attrNameLst>
+                                          <p:attrName>ppt_y</p:attrName>
+                                        </p:attrNameLst>
+                                      </p:cBhvr>
+                                      <p:tavLst>
+                                        <p:tav tm="0">
+                                          <p:val>
+                                            <p:strVal val="1+#ppt_h/2"/>
+                                          </p:val>
+                                        </p:tav>
+                                        <p:tav tm="100000">
+                                          <p:val>
+                                            <p:strVal val="#ppt_y"/>
+                                          </p:val>
+                                        </p:tav>
+                                      </p:tavLst>
+                                    </p:anim>
+                                  </p:childTnLst>
+                                </p:cTn>
+                              </p:par>
+                            </p:childTnLst>
+                          </p:cTn>
+                        </p:par>
+                      </p:childTnLst>
+                    </p:cTn>
+                  </p:par>
+                </p:childTnLst>
+              </p:cTn>
+              <p:prevCondLst>
+                <p:cond evt="onPrev" delay="0">
+                  <p:tgtEl>
+                    <p:sldTgt/>
+                  </p:tgtEl>
+                </p:cond>
+              </p:prevCondLst>
+              <p:nextCondLst>
+                <p:cond evt="onNext" delay="0">
+                  <p:tgtEl>
+                    <p:sldTgt/>
+                  </p:tgtEl>
+                </p:cond>
+              </p:nextCondLst>
+            </p:seq>
+          </p:childTnLst>
+        </p:cTn>
+      </p:par>
+    </p:tnLst>
+    <p:bldLst>
+      <p:bldP spid="2" grpId="0"/>
+      <p:bldP spid="3" grpId="0" build="p"/>
+    </p:bldLst>
+  </p:timing>
+</p:sld>
+</file>
+
+<file path=ppt/slides/slide5.xml><?xml version="1.0" encoding="utf-8"?>
+<p:sld xmlns:a="http://schemas.openxmlformats.org/drawingml/2006/main" xmlns:r="http://schemas.openxmlformats.org/officeDocument/2006/relationships" xmlns:p="http://schemas.openxmlformats.org/presentationml/2006/main">
+  <p:cSld>
+    <p:spTree>
+      <p:nvGrpSpPr>
+        <p:cNvPr id="1" name=""/>
+        <p:cNvGrpSpPr/>
+        <p:nvPr/>
+      </p:nvGrpSpPr>
+      <p:grpSpPr>
+        <a:xfrm>
+          <a:off x="0" y="0"/>
+          <a:ext cx="0" cy="0"/>
+          <a:chOff x="0" y="0"/>
+          <a:chExt cx="0" cy="0"/>
+        </a:xfrm>
+      </p:grpSpPr>
+      <p:sp>
+        <p:nvSpPr>
+          <p:cNvPr id="2" name="Заглавие 1"/>
+          <p:cNvSpPr>
+            <a:spLocks noGrp="1"/>
+          </p:cNvSpPr>
+          <p:nvPr>
+            <p:ph type="title"/>
+          </p:nvPr>
+        </p:nvSpPr>
+        <p:spPr>
+          <a:xfrm>
+            <a:off x="311574" y="499872"/>
+            <a:ext cx="8576394" cy="1036320"/>
+          </a:xfrm>
+        </p:spPr>
+        <p:txBody>
+          <a:bodyPr>
+            <a:normAutofit fontScale="90000"/>
           </a:bodyPr>
           <a:lstStyle/>
           <a:p>
             <a:r>
-              <a:rPr lang="bg-BG" sz="2800" b="1" dirty="0" smtClean="0">
+              <a:rPr lang="bg-BG" b="1" dirty="0" smtClean="0">
                 <a:ln w="10541" cmpd="sng">
                   <a:solidFill>
                     <a:schemeClr val="accent1">
@@ -7584,9 +8573,9 @@
                   <a:lin ang="5400000"/>
                 </a:gradFill>
               </a:rPr>
-              <a:t>Как се играе?</a:t>
-            </a:r>
-            <a:endParaRPr lang="bg-BG" sz="2800" b="1" dirty="0">
+              <a:t>Дейности на участниците по проекта:</a:t>
+            </a:r>
+            <a:endParaRPr lang="en-US" b="1" dirty="0">
               <a:ln w="10541" cmpd="sng">
                 <a:solidFill>
                   <a:schemeClr val="accent1">
@@ -7637,98 +8626,194 @@
       </p:sp>
       <p:sp>
         <p:nvSpPr>
-          <p:cNvPr id="8" name="Текстово поле 7"/>
-          <p:cNvSpPr txBox="1"/>
-          <p:nvPr/>
+          <p:cNvPr id="3" name="Контейнер за съдържание 2"/>
+          <p:cNvSpPr>
+            <a:spLocks noGrp="1"/>
+          </p:cNvSpPr>
+          <p:nvPr>
+            <p:ph idx="1"/>
+          </p:nvPr>
         </p:nvSpPr>
         <p:spPr>
           <a:xfrm>
-            <a:off x="296881" y="890648"/>
-            <a:ext cx="9322131" cy="5262979"/>
+            <a:off x="689526" y="1307149"/>
+            <a:ext cx="8596668" cy="3880773"/>
           </a:xfrm>
-          <a:prstGeom prst="rect">
-            <a:avLst/>
-          </a:prstGeom>
-          <a:noFill/>
         </p:spPr>
         <p:txBody>
-          <a:bodyPr wrap="square" rtlCol="0">
-            <a:spAutoFit/>
+          <a:bodyPr>
+            <a:normAutofit/>
           </a:bodyPr>
           <a:lstStyle/>
           <a:p>
-            <a:pPr marL="342900" indent="-342900">
-              <a:buAutoNum type="arabicPeriod"/>
-            </a:pPr>
-            <a:r>
-              <a:rPr lang="bg-BG" sz="2400" dirty="0" smtClean="0"/>
-              <a:t>Стартирате играта ;</a:t>
-            </a:r>
-          </a:p>
-          <a:p>
-            <a:pPr marL="342900" indent="-342900">
-              <a:buAutoNum type="arabicPeriod"/>
-            </a:pPr>
-            <a:r>
-              <a:rPr lang="bg-BG" sz="2400" dirty="0" smtClean="0"/>
-              <a:t>След това играта ще ви пита с колко цифри искате да се играе. Тук трябва да въведете число, което да бъде в интервала от 3 до 9 включително ;</a:t>
-            </a:r>
-          </a:p>
-          <a:p>
-            <a:pPr marL="342900" indent="-342900">
-              <a:buAutoNum type="arabicPeriod"/>
-            </a:pPr>
-            <a:r>
-              <a:rPr lang="bg-BG" sz="2400" dirty="0" smtClean="0"/>
-              <a:t>Компютъра изписва съобщение, че  си е измислил число, след което се появява </a:t>
-            </a:r>
-            <a:r>
-              <a:rPr lang="bg-BG" sz="2400" dirty="0" err="1" smtClean="0"/>
-              <a:t>промпт</a:t>
-            </a:r>
-            <a:r>
-              <a:rPr lang="bg-BG" sz="2400" dirty="0" smtClean="0"/>
-              <a:t> </a:t>
-            </a:r>
-            <a:r>
-              <a:rPr lang="bg-BG" sz="2400" dirty="0" smtClean="0">
+            <a:r>
+              <a:rPr lang="bg-BG" sz="2000" i="1" dirty="0" smtClean="0">
+                <a:solidFill>
+                  <a:schemeClr val="tx1"/>
+                </a:solidFill>
+              </a:rPr>
+              <a:t>Нели </a:t>
+            </a:r>
+            <a:r>
+              <a:rPr lang="bg-BG" sz="2000" i="1" dirty="0" smtClean="0">
+                <a:solidFill>
+                  <a:schemeClr val="tx1"/>
+                </a:solidFill>
+              </a:rPr>
+              <a:t>Кондова </a:t>
+            </a:r>
+            <a:r>
+              <a:rPr lang="bg-BG" sz="2000" dirty="0" smtClean="0">
+                <a:solidFill>
+                  <a:schemeClr val="tx1"/>
+                </a:solidFill>
+              </a:rPr>
+              <a:t>– </a:t>
+            </a:r>
+            <a:r>
+              <a:rPr lang="bg-BG" sz="2000" dirty="0" smtClean="0">
+                <a:solidFill>
+                  <a:schemeClr val="tx1"/>
+                </a:solidFill>
+              </a:rPr>
+              <a:t>методите </a:t>
+            </a:r>
+            <a:r>
+              <a:rPr lang="en-US" sz="2000" dirty="0" smtClean="0">
                 <a:solidFill>
                   <a:schemeClr val="accent1"/>
                 </a:solidFill>
               </a:rPr>
-              <a:t>Играч: </a:t>
-            </a:r>
-            <a:r>
-              <a:rPr lang="bg-BG" sz="2400" dirty="0" smtClean="0"/>
-              <a:t>, в който трябва да въведете число или команда.    За да получите списък с наличните команди и обяснение за това какво    правят, използвайте командата </a:t>
-            </a:r>
-            <a:r>
-              <a:rPr lang="en-US" sz="2400" dirty="0" smtClean="0">
+              <a:t>Rules() </a:t>
+            </a:r>
+            <a:r>
+              <a:rPr lang="bg-BG" sz="2000" dirty="0" smtClean="0">
+                <a:solidFill>
+                  <a:schemeClr val="tx1"/>
+                </a:solidFill>
+              </a:rPr>
+              <a:t>и </a:t>
+            </a:r>
+            <a:r>
+              <a:rPr lang="en-US" sz="2000" dirty="0" smtClean="0">
                 <a:solidFill>
                   <a:schemeClr val="accent1"/>
                 </a:solidFill>
               </a:rPr>
-              <a:t>help</a:t>
-            </a:r>
-            <a:endParaRPr lang="bg-BG" sz="2400" dirty="0" smtClean="0">
+              <a:t>Help() </a:t>
+            </a:r>
+            <a:r>
+              <a:rPr lang="bg-BG" sz="2000" dirty="0" smtClean="0">
+                <a:solidFill>
+                  <a:schemeClr val="tx1"/>
+                </a:solidFill>
+              </a:rPr>
+              <a:t>са нейно дело;</a:t>
+            </a:r>
+            <a:endParaRPr lang="bg-BG" sz="2000" dirty="0" smtClean="0">
               <a:solidFill>
-                <a:schemeClr val="accent1"/>
+                <a:schemeClr val="tx1"/>
               </a:solidFill>
             </a:endParaRPr>
           </a:p>
           <a:p>
             <a:r>
-              <a:rPr lang="bg-BG" sz="2400" dirty="0" smtClean="0"/>
-              <a:t>4.  След всяко въведено, валидно, число компютърът ще ви съобщава броя на биковете и кравите. Ако познаете числото, компютърът ще ви изпише съобщение, което съдържа броя на предположенията, които са ви били нужни, за да разкриете тайното му число </a:t>
-            </a:r>
-            <a:endParaRPr lang="bg-BG" sz="2400" dirty="0"/>
+              <a:rPr lang="bg-BG" sz="2000" i="1" dirty="0">
+                <a:solidFill>
+                  <a:schemeClr val="tx1"/>
+                </a:solidFill>
+              </a:rPr>
+              <a:t>Катерина </a:t>
+            </a:r>
+            <a:r>
+              <a:rPr lang="bg-BG" sz="2000" i="1" dirty="0" smtClean="0">
+                <a:solidFill>
+                  <a:schemeClr val="tx1"/>
+                </a:solidFill>
+              </a:rPr>
+              <a:t>Найденова </a:t>
+            </a:r>
+            <a:r>
+              <a:rPr lang="bg-BG" sz="2000" dirty="0" smtClean="0">
+                <a:solidFill>
+                  <a:schemeClr val="tx1"/>
+                </a:solidFill>
+              </a:rPr>
+              <a:t>– </a:t>
+            </a:r>
+            <a:r>
+              <a:rPr lang="bg-BG" sz="2000" dirty="0" smtClean="0">
+                <a:solidFill>
+                  <a:schemeClr val="tx1"/>
+                </a:solidFill>
+              </a:rPr>
+              <a:t>написа метода </a:t>
+            </a:r>
+            <a:r>
+              <a:rPr lang="en-US" sz="2000" dirty="0" smtClean="0">
+                <a:solidFill>
+                  <a:schemeClr val="accent1"/>
+                </a:solidFill>
+              </a:rPr>
+              <a:t>Log() </a:t>
+            </a:r>
+            <a:r>
+              <a:rPr lang="bg-BG" sz="2000" dirty="0" smtClean="0">
+                <a:solidFill>
+                  <a:schemeClr val="tx1"/>
+                </a:solidFill>
+              </a:rPr>
+              <a:t>и направи тази презентация;</a:t>
+            </a:r>
+            <a:endParaRPr lang="en-US" sz="2000" dirty="0" smtClean="0">
+              <a:solidFill>
+                <a:schemeClr val="tx1"/>
+              </a:solidFill>
+            </a:endParaRPr>
+          </a:p>
+          <a:p>
+            <a:r>
+              <a:rPr lang="bg-BG" sz="2000" i="1" dirty="0" smtClean="0">
+                <a:solidFill>
+                  <a:schemeClr val="tx1"/>
+                </a:solidFill>
+              </a:rPr>
+              <a:t>Диан Кирилов </a:t>
+            </a:r>
+            <a:r>
+              <a:rPr lang="bg-BG" sz="2000" dirty="0" smtClean="0">
+                <a:solidFill>
+                  <a:schemeClr val="tx1"/>
+                </a:solidFill>
+              </a:rPr>
+              <a:t>– даде идеята за играта и написа всичкия останал код</a:t>
+            </a:r>
+            <a:r>
+              <a:rPr lang="bg-BG" sz="2000" dirty="0" smtClean="0"/>
+              <a:t>;</a:t>
+            </a:r>
+          </a:p>
+          <a:p>
+            <a:r>
+              <a:rPr lang="bg-BG" sz="2000" dirty="0" smtClean="0">
+                <a:solidFill>
+                  <a:schemeClr val="tx1"/>
+                </a:solidFill>
+              </a:rPr>
+              <a:t>Иван Русев – за съжаление колегата не успя да вземе участие в този проект;</a:t>
+            </a:r>
+            <a:endParaRPr lang="bg-BG" sz="2000" dirty="0" smtClean="0">
+              <a:solidFill>
+                <a:schemeClr val="tx1"/>
+              </a:solidFill>
+            </a:endParaRPr>
           </a:p>
         </p:txBody>
       </p:sp>
     </p:spTree>
     <p:extLst>
       <p:ext uri="{BB962C8B-B14F-4D97-AF65-F5344CB8AC3E}">
-        <p14:creationId xmlns:p14="http://schemas.microsoft.com/office/powerpoint/2010/main" val="107248914"/>
+        <p14:creationId xmlns:p14="http://schemas.microsoft.com/office/powerpoint/2010/main" val="3746503932"/>
       </p:ext>
     </p:extLst>
   </p:cSld>
@@ -7738,9 +8823,539 @@
   <p:timing>
     <p:tnLst>
       <p:par>
-        <p:cTn id="1" dur="indefinite" restart="never" nodeType="tmRoot"/>
+        <p:cTn id="1" dur="indefinite" restart="never" nodeType="tmRoot">
+          <p:childTnLst>
+            <p:seq concurrent="1" nextAc="seek">
+              <p:cTn id="2" dur="indefinite" nodeType="mainSeq">
+                <p:childTnLst>
+                  <p:par>
+                    <p:cTn id="3" fill="hold">
+                      <p:stCondLst>
+                        <p:cond delay="indefinite"/>
+                      </p:stCondLst>
+                      <p:childTnLst>
+                        <p:par>
+                          <p:cTn id="4" fill="hold">
+                            <p:stCondLst>
+                              <p:cond delay="0"/>
+                            </p:stCondLst>
+                            <p:childTnLst>
+                              <p:par>
+                                <p:cTn id="5" presetID="2" presetClass="entr" presetSubtype="4" fill="hold" grpId="0" nodeType="clickEffect">
+                                  <p:stCondLst>
+                                    <p:cond delay="0"/>
+                                  </p:stCondLst>
+                                  <p:childTnLst>
+                                    <p:set>
+                                      <p:cBhvr>
+                                        <p:cTn id="6" dur="1" fill="hold">
+                                          <p:stCondLst>
+                                            <p:cond delay="0"/>
+                                          </p:stCondLst>
+                                        </p:cTn>
+                                        <p:tgtEl>
+                                          <p:spTgt spid="2"/>
+                                        </p:tgtEl>
+                                        <p:attrNameLst>
+                                          <p:attrName>style.visibility</p:attrName>
+                                        </p:attrNameLst>
+                                      </p:cBhvr>
+                                      <p:to>
+                                        <p:strVal val="visible"/>
+                                      </p:to>
+                                    </p:set>
+                                    <p:anim calcmode="lin" valueType="num">
+                                      <p:cBhvr additive="base">
+                                        <p:cTn id="7" dur="500" fill="hold"/>
+                                        <p:tgtEl>
+                                          <p:spTgt spid="2"/>
+                                        </p:tgtEl>
+                                        <p:attrNameLst>
+                                          <p:attrName>ppt_x</p:attrName>
+                                        </p:attrNameLst>
+                                      </p:cBhvr>
+                                      <p:tavLst>
+                                        <p:tav tm="0">
+                                          <p:val>
+                                            <p:strVal val="#ppt_x"/>
+                                          </p:val>
+                                        </p:tav>
+                                        <p:tav tm="100000">
+                                          <p:val>
+                                            <p:strVal val="#ppt_x"/>
+                                          </p:val>
+                                        </p:tav>
+                                      </p:tavLst>
+                                    </p:anim>
+                                    <p:anim calcmode="lin" valueType="num">
+                                      <p:cBhvr additive="base">
+                                        <p:cTn id="8" dur="500" fill="hold"/>
+                                        <p:tgtEl>
+                                          <p:spTgt spid="2"/>
+                                        </p:tgtEl>
+                                        <p:attrNameLst>
+                                          <p:attrName>ppt_y</p:attrName>
+                                        </p:attrNameLst>
+                                      </p:cBhvr>
+                                      <p:tavLst>
+                                        <p:tav tm="0">
+                                          <p:val>
+                                            <p:strVal val="1+#ppt_h/2"/>
+                                          </p:val>
+                                        </p:tav>
+                                        <p:tav tm="100000">
+                                          <p:val>
+                                            <p:strVal val="#ppt_y"/>
+                                          </p:val>
+                                        </p:tav>
+                                      </p:tavLst>
+                                    </p:anim>
+                                  </p:childTnLst>
+                                </p:cTn>
+                              </p:par>
+                            </p:childTnLst>
+                          </p:cTn>
+                        </p:par>
+                      </p:childTnLst>
+                    </p:cTn>
+                  </p:par>
+                  <p:par>
+                    <p:cTn id="9" fill="hold">
+                      <p:stCondLst>
+                        <p:cond delay="indefinite"/>
+                      </p:stCondLst>
+                      <p:childTnLst>
+                        <p:par>
+                          <p:cTn id="10" fill="hold">
+                            <p:stCondLst>
+                              <p:cond delay="0"/>
+                            </p:stCondLst>
+                            <p:childTnLst>
+                              <p:par>
+                                <p:cTn id="11" presetID="2" presetClass="entr" presetSubtype="4" fill="hold" grpId="0" nodeType="clickEffect">
+                                  <p:stCondLst>
+                                    <p:cond delay="0"/>
+                                  </p:stCondLst>
+                                  <p:childTnLst>
+                                    <p:set>
+                                      <p:cBhvr>
+                                        <p:cTn id="12" dur="1" fill="hold">
+                                          <p:stCondLst>
+                                            <p:cond delay="0"/>
+                                          </p:stCondLst>
+                                        </p:cTn>
+                                        <p:tgtEl>
+                                          <p:spTgt spid="3">
+                                            <p:txEl>
+                                              <p:pRg st="0" end="0"/>
+                                            </p:txEl>
+                                          </p:spTgt>
+                                        </p:tgtEl>
+                                        <p:attrNameLst>
+                                          <p:attrName>style.visibility</p:attrName>
+                                        </p:attrNameLst>
+                                      </p:cBhvr>
+                                      <p:to>
+                                        <p:strVal val="visible"/>
+                                      </p:to>
+                                    </p:set>
+                                    <p:anim calcmode="lin" valueType="num">
+                                      <p:cBhvr additive="base">
+                                        <p:cTn id="13" dur="500" fill="hold"/>
+                                        <p:tgtEl>
+                                          <p:spTgt spid="3">
+                                            <p:txEl>
+                                              <p:pRg st="0" end="0"/>
+                                            </p:txEl>
+                                          </p:spTgt>
+                                        </p:tgtEl>
+                                        <p:attrNameLst>
+                                          <p:attrName>ppt_x</p:attrName>
+                                        </p:attrNameLst>
+                                      </p:cBhvr>
+                                      <p:tavLst>
+                                        <p:tav tm="0">
+                                          <p:val>
+                                            <p:strVal val="#ppt_x"/>
+                                          </p:val>
+                                        </p:tav>
+                                        <p:tav tm="100000">
+                                          <p:val>
+                                            <p:strVal val="#ppt_x"/>
+                                          </p:val>
+                                        </p:tav>
+                                      </p:tavLst>
+                                    </p:anim>
+                                    <p:anim calcmode="lin" valueType="num">
+                                      <p:cBhvr additive="base">
+                                        <p:cTn id="14" dur="500" fill="hold"/>
+                                        <p:tgtEl>
+                                          <p:spTgt spid="3">
+                                            <p:txEl>
+                                              <p:pRg st="0" end="0"/>
+                                            </p:txEl>
+                                          </p:spTgt>
+                                        </p:tgtEl>
+                                        <p:attrNameLst>
+                                          <p:attrName>ppt_y</p:attrName>
+                                        </p:attrNameLst>
+                                      </p:cBhvr>
+                                      <p:tavLst>
+                                        <p:tav tm="0">
+                                          <p:val>
+                                            <p:strVal val="1+#ppt_h/2"/>
+                                          </p:val>
+                                        </p:tav>
+                                        <p:tav tm="100000">
+                                          <p:val>
+                                            <p:strVal val="#ppt_y"/>
+                                          </p:val>
+                                        </p:tav>
+                                      </p:tavLst>
+                                    </p:anim>
+                                  </p:childTnLst>
+                                </p:cTn>
+                              </p:par>
+                            </p:childTnLst>
+                          </p:cTn>
+                        </p:par>
+                      </p:childTnLst>
+                    </p:cTn>
+                  </p:par>
+                  <p:par>
+                    <p:cTn id="15" fill="hold">
+                      <p:stCondLst>
+                        <p:cond delay="indefinite"/>
+                      </p:stCondLst>
+                      <p:childTnLst>
+                        <p:par>
+                          <p:cTn id="16" fill="hold">
+                            <p:stCondLst>
+                              <p:cond delay="0"/>
+                            </p:stCondLst>
+                            <p:childTnLst>
+                              <p:par>
+                                <p:cTn id="17" presetID="2" presetClass="entr" presetSubtype="4" fill="hold" grpId="0" nodeType="clickEffect">
+                                  <p:stCondLst>
+                                    <p:cond delay="0"/>
+                                  </p:stCondLst>
+                                  <p:childTnLst>
+                                    <p:set>
+                                      <p:cBhvr>
+                                        <p:cTn id="18" dur="1" fill="hold">
+                                          <p:stCondLst>
+                                            <p:cond delay="0"/>
+                                          </p:stCondLst>
+                                        </p:cTn>
+                                        <p:tgtEl>
+                                          <p:spTgt spid="3">
+                                            <p:txEl>
+                                              <p:pRg st="1" end="1"/>
+                                            </p:txEl>
+                                          </p:spTgt>
+                                        </p:tgtEl>
+                                        <p:attrNameLst>
+                                          <p:attrName>style.visibility</p:attrName>
+                                        </p:attrNameLst>
+                                      </p:cBhvr>
+                                      <p:to>
+                                        <p:strVal val="visible"/>
+                                      </p:to>
+                                    </p:set>
+                                    <p:anim calcmode="lin" valueType="num">
+                                      <p:cBhvr additive="base">
+                                        <p:cTn id="19" dur="500" fill="hold"/>
+                                        <p:tgtEl>
+                                          <p:spTgt spid="3">
+                                            <p:txEl>
+                                              <p:pRg st="1" end="1"/>
+                                            </p:txEl>
+                                          </p:spTgt>
+                                        </p:tgtEl>
+                                        <p:attrNameLst>
+                                          <p:attrName>ppt_x</p:attrName>
+                                        </p:attrNameLst>
+                                      </p:cBhvr>
+                                      <p:tavLst>
+                                        <p:tav tm="0">
+                                          <p:val>
+                                            <p:strVal val="#ppt_x"/>
+                                          </p:val>
+                                        </p:tav>
+                                        <p:tav tm="100000">
+                                          <p:val>
+                                            <p:strVal val="#ppt_x"/>
+                                          </p:val>
+                                        </p:tav>
+                                      </p:tavLst>
+                                    </p:anim>
+                                    <p:anim calcmode="lin" valueType="num">
+                                      <p:cBhvr additive="base">
+                                        <p:cTn id="20" dur="500" fill="hold"/>
+                                        <p:tgtEl>
+                                          <p:spTgt spid="3">
+                                            <p:txEl>
+                                              <p:pRg st="1" end="1"/>
+                                            </p:txEl>
+                                          </p:spTgt>
+                                        </p:tgtEl>
+                                        <p:attrNameLst>
+                                          <p:attrName>ppt_y</p:attrName>
+                                        </p:attrNameLst>
+                                      </p:cBhvr>
+                                      <p:tavLst>
+                                        <p:tav tm="0">
+                                          <p:val>
+                                            <p:strVal val="1+#ppt_h/2"/>
+                                          </p:val>
+                                        </p:tav>
+                                        <p:tav tm="100000">
+                                          <p:val>
+                                            <p:strVal val="#ppt_y"/>
+                                          </p:val>
+                                        </p:tav>
+                                      </p:tavLst>
+                                    </p:anim>
+                                  </p:childTnLst>
+                                </p:cTn>
+                              </p:par>
+                            </p:childTnLst>
+                          </p:cTn>
+                        </p:par>
+                      </p:childTnLst>
+                    </p:cTn>
+                  </p:par>
+                  <p:par>
+                    <p:cTn id="21" fill="hold">
+                      <p:stCondLst>
+                        <p:cond delay="indefinite"/>
+                      </p:stCondLst>
+                      <p:childTnLst>
+                        <p:par>
+                          <p:cTn id="22" fill="hold">
+                            <p:stCondLst>
+                              <p:cond delay="0"/>
+                            </p:stCondLst>
+                            <p:childTnLst>
+                              <p:par>
+                                <p:cTn id="23" presetID="2" presetClass="entr" presetSubtype="4" fill="hold" grpId="0" nodeType="clickEffect">
+                                  <p:stCondLst>
+                                    <p:cond delay="0"/>
+                                  </p:stCondLst>
+                                  <p:childTnLst>
+                                    <p:set>
+                                      <p:cBhvr>
+                                        <p:cTn id="24" dur="1" fill="hold">
+                                          <p:stCondLst>
+                                            <p:cond delay="0"/>
+                                          </p:stCondLst>
+                                        </p:cTn>
+                                        <p:tgtEl>
+                                          <p:spTgt spid="3">
+                                            <p:txEl>
+                                              <p:pRg st="2" end="2"/>
+                                            </p:txEl>
+                                          </p:spTgt>
+                                        </p:tgtEl>
+                                        <p:attrNameLst>
+                                          <p:attrName>style.visibility</p:attrName>
+                                        </p:attrNameLst>
+                                      </p:cBhvr>
+                                      <p:to>
+                                        <p:strVal val="visible"/>
+                                      </p:to>
+                                    </p:set>
+                                    <p:anim calcmode="lin" valueType="num">
+                                      <p:cBhvr additive="base">
+                                        <p:cTn id="25" dur="500" fill="hold"/>
+                                        <p:tgtEl>
+                                          <p:spTgt spid="3">
+                                            <p:txEl>
+                                              <p:pRg st="2" end="2"/>
+                                            </p:txEl>
+                                          </p:spTgt>
+                                        </p:tgtEl>
+                                        <p:attrNameLst>
+                                          <p:attrName>ppt_x</p:attrName>
+                                        </p:attrNameLst>
+                                      </p:cBhvr>
+                                      <p:tavLst>
+                                        <p:tav tm="0">
+                                          <p:val>
+                                            <p:strVal val="#ppt_x"/>
+                                          </p:val>
+                                        </p:tav>
+                                        <p:tav tm="100000">
+                                          <p:val>
+                                            <p:strVal val="#ppt_x"/>
+                                          </p:val>
+                                        </p:tav>
+                                      </p:tavLst>
+                                    </p:anim>
+                                    <p:anim calcmode="lin" valueType="num">
+                                      <p:cBhvr additive="base">
+                                        <p:cTn id="26" dur="500" fill="hold"/>
+                                        <p:tgtEl>
+                                          <p:spTgt spid="3">
+                                            <p:txEl>
+                                              <p:pRg st="2" end="2"/>
+                                            </p:txEl>
+                                          </p:spTgt>
+                                        </p:tgtEl>
+                                        <p:attrNameLst>
+                                          <p:attrName>ppt_y</p:attrName>
+                                        </p:attrNameLst>
+                                      </p:cBhvr>
+                                      <p:tavLst>
+                                        <p:tav tm="0">
+                                          <p:val>
+                                            <p:strVal val="1+#ppt_h/2"/>
+                                          </p:val>
+                                        </p:tav>
+                                        <p:tav tm="100000">
+                                          <p:val>
+                                            <p:strVal val="#ppt_y"/>
+                                          </p:val>
+                                        </p:tav>
+                                      </p:tavLst>
+                                    </p:anim>
+                                  </p:childTnLst>
+                                </p:cTn>
+                              </p:par>
+                            </p:childTnLst>
+                          </p:cTn>
+                        </p:par>
+                      </p:childTnLst>
+                    </p:cTn>
+                  </p:par>
+                  <p:par>
+                    <p:cTn id="27" fill="hold">
+                      <p:stCondLst>
+                        <p:cond delay="indefinite"/>
+                      </p:stCondLst>
+                      <p:childTnLst>
+                        <p:par>
+                          <p:cTn id="28" fill="hold">
+                            <p:stCondLst>
+                              <p:cond delay="0"/>
+                            </p:stCondLst>
+                            <p:childTnLst>
+                              <p:par>
+                                <p:cTn id="29" presetID="2" presetClass="entr" presetSubtype="4" fill="hold" grpId="0" nodeType="clickEffect">
+                                  <p:stCondLst>
+                                    <p:cond delay="0"/>
+                                  </p:stCondLst>
+                                  <p:childTnLst>
+                                    <p:set>
+                                      <p:cBhvr>
+                                        <p:cTn id="30" dur="1" fill="hold">
+                                          <p:stCondLst>
+                                            <p:cond delay="0"/>
+                                          </p:stCondLst>
+                                        </p:cTn>
+                                        <p:tgtEl>
+                                          <p:spTgt spid="3">
+                                            <p:txEl>
+                                              <p:pRg st="3" end="3"/>
+                                            </p:txEl>
+                                          </p:spTgt>
+                                        </p:tgtEl>
+                                        <p:attrNameLst>
+                                          <p:attrName>style.visibility</p:attrName>
+                                        </p:attrNameLst>
+                                      </p:cBhvr>
+                                      <p:to>
+                                        <p:strVal val="visible"/>
+                                      </p:to>
+                                    </p:set>
+                                    <p:anim calcmode="lin" valueType="num">
+                                      <p:cBhvr additive="base">
+                                        <p:cTn id="31" dur="500" fill="hold"/>
+                                        <p:tgtEl>
+                                          <p:spTgt spid="3">
+                                            <p:txEl>
+                                              <p:pRg st="3" end="3"/>
+                                            </p:txEl>
+                                          </p:spTgt>
+                                        </p:tgtEl>
+                                        <p:attrNameLst>
+                                          <p:attrName>ppt_x</p:attrName>
+                                        </p:attrNameLst>
+                                      </p:cBhvr>
+                                      <p:tavLst>
+                                        <p:tav tm="0">
+                                          <p:val>
+                                            <p:strVal val="#ppt_x"/>
+                                          </p:val>
+                                        </p:tav>
+                                        <p:tav tm="100000">
+                                          <p:val>
+                                            <p:strVal val="#ppt_x"/>
+                                          </p:val>
+                                        </p:tav>
+                                      </p:tavLst>
+                                    </p:anim>
+                                    <p:anim calcmode="lin" valueType="num">
+                                      <p:cBhvr additive="base">
+                                        <p:cTn id="32" dur="500" fill="hold"/>
+                                        <p:tgtEl>
+                                          <p:spTgt spid="3">
+                                            <p:txEl>
+                                              <p:pRg st="3" end="3"/>
+                                            </p:txEl>
+                                          </p:spTgt>
+                                        </p:tgtEl>
+                                        <p:attrNameLst>
+                                          <p:attrName>ppt_y</p:attrName>
+                                        </p:attrNameLst>
+                                      </p:cBhvr>
+                                      <p:tavLst>
+                                        <p:tav tm="0">
+                                          <p:val>
+                                            <p:strVal val="1+#ppt_h/2"/>
+                                          </p:val>
+                                        </p:tav>
+                                        <p:tav tm="100000">
+                                          <p:val>
+                                            <p:strVal val="#ppt_y"/>
+                                          </p:val>
+                                        </p:tav>
+                                      </p:tavLst>
+                                    </p:anim>
+                                  </p:childTnLst>
+                                </p:cTn>
+                              </p:par>
+                            </p:childTnLst>
+                          </p:cTn>
+                        </p:par>
+                      </p:childTnLst>
+                    </p:cTn>
+                  </p:par>
+                </p:childTnLst>
+              </p:cTn>
+              <p:prevCondLst>
+                <p:cond evt="onPrev" delay="0">
+                  <p:tgtEl>
+                    <p:sldTgt/>
+                  </p:tgtEl>
+                </p:cond>
+              </p:prevCondLst>
+              <p:nextCondLst>
+                <p:cond evt="onNext" delay="0">
+                  <p:tgtEl>
+                    <p:sldTgt/>
+                  </p:tgtEl>
+                </p:cond>
+              </p:nextCondLst>
+            </p:seq>
+          </p:childTnLst>
+        </p:cTn>
       </p:par>
     </p:tnLst>
+    <p:bldLst>
+      <p:bldP spid="2" grpId="0"/>
+      <p:bldP spid="3" grpId="0" build="p"/>
+    </p:bldLst>
   </p:timing>
 </p:sld>
 </file>

--- a/ProjectTWPS.pptx
+++ b/ProjectTWPS.pptx
@@ -110,7 +110,7 @@
   </p:defaultTextStyle>
   <p:extLst>
     <p:ext uri="{EFAFB233-063F-42B5-8137-9DF3F51BA10A}">
-      <p15:sldGuideLst xmlns:p15="http://schemas.microsoft.com/office/powerpoint/2012/main" xmlns="">
+      <p15:sldGuideLst xmlns="" xmlns:p15="http://schemas.microsoft.com/office/powerpoint/2012/main">
         <p15:guide id="1" orient="horz" pos="2160">
           <p15:clr>
             <a:srgbClr val="A4A3A4"/>
@@ -849,7 +849,7 @@
           <a:p>
             <a:fld id="{9E016143-E03C-4CFD-AFDC-14E5BDEA754C}" type="datetimeFigureOut">
               <a:rPr lang="en-US" smtClean="0"/>
-              <a:t>10/7/2015</a:t>
+              <a:t>10/8/2015</a:t>
             </a:fld>
             <a:endParaRPr lang="en-US" dirty="0"/>
           </a:p>
@@ -1101,7 +1101,7 @@
           <a:p>
             <a:fld id="{0E59FD0C-5451-4CA0-86AF-E70AE3279989}" type="datetimeFigureOut">
               <a:rPr lang="en-US" smtClean="0"/>
-              <a:t>10/7/2015</a:t>
+              <a:t>10/8/2015</a:t>
             </a:fld>
             <a:endParaRPr lang="en-US" dirty="0"/>
           </a:p>
@@ -1417,7 +1417,7 @@
           <a:p>
             <a:fld id="{0E59FD0C-5451-4CA0-86AF-E70AE3279989}" type="datetimeFigureOut">
               <a:rPr lang="en-US" smtClean="0"/>
-              <a:t>10/7/2015</a:t>
+              <a:t>10/8/2015</a:t>
             </a:fld>
             <a:endParaRPr lang="en-US" dirty="0"/>
           </a:p>
@@ -1760,7 +1760,7 @@
           <a:p>
             <a:fld id="{0E59FD0C-5451-4CA0-86AF-E70AE3279989}" type="datetimeFigureOut">
               <a:rPr lang="en-US" smtClean="0"/>
-              <a:t>10/7/2015</a:t>
+              <a:t>10/8/2015</a:t>
             </a:fld>
             <a:endParaRPr lang="en-US" dirty="0"/>
           </a:p>
@@ -2076,7 +2076,7 @@
           <a:p>
             <a:fld id="{0E59FD0C-5451-4CA0-86AF-E70AE3279989}" type="datetimeFigureOut">
               <a:rPr lang="en-US" smtClean="0"/>
-              <a:t>10/7/2015</a:t>
+              <a:t>10/8/2015</a:t>
             </a:fld>
             <a:endParaRPr lang="en-US" dirty="0"/>
           </a:p>
@@ -2471,7 +2471,7 @@
           <a:p>
             <a:fld id="{0E59FD0C-5451-4CA0-86AF-E70AE3279989}" type="datetimeFigureOut">
               <a:rPr lang="en-US" smtClean="0"/>
-              <a:t>10/7/2015</a:t>
+              <a:t>10/8/2015</a:t>
             </a:fld>
             <a:endParaRPr lang="en-US" dirty="0"/>
           </a:p>
@@ -2643,7 +2643,7 @@
           <a:p>
             <a:fld id="{C033E54A-A8CA-48C1-9504-691B58049D29}" type="datetimeFigureOut">
               <a:rPr lang="en-US" smtClean="0"/>
-              <a:t>10/7/2015</a:t>
+              <a:t>10/8/2015</a:t>
             </a:fld>
             <a:endParaRPr lang="en-US" dirty="0"/>
           </a:p>
@@ -2823,7 +2823,7 @@
           <a:p>
             <a:fld id="{B5F6C806-BBF7-471C-9527-881CE2266695}" type="datetimeFigureOut">
               <a:rPr lang="en-US" smtClean="0"/>
-              <a:t>10/7/2015</a:t>
+              <a:t>10/8/2015</a:t>
             </a:fld>
             <a:endParaRPr lang="en-US" dirty="0"/>
           </a:p>
@@ -2999,7 +2999,7 @@
           <a:p>
             <a:fld id="{78C94063-DF36-4330-A365-08DA1FA5B7D6}" type="datetimeFigureOut">
               <a:rPr lang="en-US" smtClean="0"/>
-              <a:t>10/7/2015</a:t>
+              <a:t>10/8/2015</a:t>
             </a:fld>
             <a:endParaRPr lang="en-US" dirty="0"/>
           </a:p>
@@ -3246,7 +3246,7 @@
           <a:p>
             <a:fld id="{908A7C6C-0F39-4D70-8E8D-FE5B9C95FA73}" type="datetimeFigureOut">
               <a:rPr lang="en-US" smtClean="0"/>
-              <a:t>10/7/2015</a:t>
+              <a:t>10/8/2015</a:t>
             </a:fld>
             <a:endParaRPr lang="en-US" dirty="0"/>
           </a:p>
@@ -3478,7 +3478,7 @@
           <a:p>
             <a:fld id="{DFCFA4AC-08CC-42CE-BD01-C191750A04EC}" type="datetimeFigureOut">
               <a:rPr lang="en-US" smtClean="0"/>
-              <a:t>10/7/2015</a:t>
+              <a:t>10/8/2015</a:t>
             </a:fld>
             <a:endParaRPr lang="en-US" dirty="0"/>
           </a:p>
@@ -3852,7 +3852,7 @@
           <a:p>
             <a:fld id="{1BA7A723-92A7-435B-B681-F25B092FEFEB}" type="datetimeFigureOut">
               <a:rPr lang="en-US" smtClean="0"/>
-              <a:t>10/7/2015</a:t>
+              <a:t>10/8/2015</a:t>
             </a:fld>
             <a:endParaRPr lang="en-US" dirty="0"/>
           </a:p>
@@ -3975,7 +3975,7 @@
           <a:p>
             <a:fld id="{4F170639-886C-4FCF-9EAB-ABB5DA3F3F4A}" type="datetimeFigureOut">
               <a:rPr lang="en-US" smtClean="0"/>
-              <a:t>10/7/2015</a:t>
+              <a:t>10/8/2015</a:t>
             </a:fld>
             <a:endParaRPr lang="en-US" dirty="0"/>
           </a:p>
@@ -4070,7 +4070,7 @@
           <a:p>
             <a:fld id="{22230651-31F4-45D2-98AE-A2108F41BC07}" type="datetimeFigureOut">
               <a:rPr lang="en-US" smtClean="0"/>
-              <a:t>10/7/2015</a:t>
+              <a:t>10/8/2015</a:t>
             </a:fld>
             <a:endParaRPr lang="en-US" dirty="0"/>
           </a:p>
@@ -4325,7 +4325,7 @@
           <a:p>
             <a:fld id="{6F53789A-C914-4DB1-8815-80B5EC7335C5}" type="datetimeFigureOut">
               <a:rPr lang="en-US" smtClean="0"/>
-              <a:t>10/7/2015</a:t>
+              <a:t>10/8/2015</a:t>
             </a:fld>
             <a:endParaRPr lang="en-US" dirty="0"/>
           </a:p>
@@ -4588,7 +4588,7 @@
           <a:p>
             <a:fld id="{5E6440AA-91A0-436F-8FDB-C0F939DCAE21}" type="datetimeFigureOut">
               <a:rPr lang="en-US" smtClean="0"/>
-              <a:t>10/7/2015</a:t>
+              <a:t>10/8/2015</a:t>
             </a:fld>
             <a:endParaRPr lang="en-US" dirty="0"/>
           </a:p>
@@ -5331,7 +5331,7 @@
           <a:p>
             <a:fld id="{0E59FD0C-5451-4CA0-86AF-E70AE3279989}" type="datetimeFigureOut">
               <a:rPr lang="en-US" smtClean="0"/>
-              <a:t>10/7/2015</a:t>
+              <a:t>10/8/2015</a:t>
             </a:fld>
             <a:endParaRPr lang="en-US" dirty="0"/>
           </a:p>
@@ -8652,31 +8652,15 @@
                   <a:schemeClr val="tx1"/>
                 </a:solidFill>
               </a:rPr>
-              <a:t>Нели </a:t>
-            </a:r>
-            <a:r>
-              <a:rPr lang="bg-BG" sz="2000" i="1" dirty="0" smtClean="0">
+              <a:t>Нели Кондова </a:t>
+            </a:r>
+            <a:r>
+              <a:rPr lang="bg-BG" sz="2000" dirty="0" smtClean="0">
                 <a:solidFill>
                   <a:schemeClr val="tx1"/>
                 </a:solidFill>
               </a:rPr>
-              <a:t>Кондова </a:t>
-            </a:r>
-            <a:r>
-              <a:rPr lang="bg-BG" sz="2000" dirty="0" smtClean="0">
-                <a:solidFill>
-                  <a:schemeClr val="tx1"/>
-                </a:solidFill>
-              </a:rPr>
-              <a:t>– </a:t>
-            </a:r>
-            <a:r>
-              <a:rPr lang="bg-BG" sz="2000" dirty="0" smtClean="0">
-                <a:solidFill>
-                  <a:schemeClr val="tx1"/>
-                </a:solidFill>
-              </a:rPr>
-              <a:t>методите </a:t>
+              <a:t>– методите </a:t>
             </a:r>
             <a:r>
               <a:rPr lang="en-US" sz="2000" dirty="0" smtClean="0">
@@ -8710,11 +8694,6 @@
               </a:rPr>
               <a:t>са нейно дело;</a:t>
             </a:r>
-            <a:endParaRPr lang="bg-BG" sz="2000" dirty="0" smtClean="0">
-              <a:solidFill>
-                <a:schemeClr val="tx1"/>
-              </a:solidFill>
-            </a:endParaRPr>
           </a:p>
           <a:p>
             <a:r>
@@ -8739,15 +8718,7 @@
                   <a:schemeClr val="tx1"/>
                 </a:solidFill>
               </a:rPr>
-              <a:t>– </a:t>
-            </a:r>
-            <a:r>
-              <a:rPr lang="bg-BG" sz="2000" dirty="0" smtClean="0">
-                <a:solidFill>
-                  <a:schemeClr val="tx1"/>
-                </a:solidFill>
-              </a:rPr>
-              <a:t>написа метода </a:t>
+              <a:t>– написа метода </a:t>
             </a:r>
             <a:r>
               <a:rPr lang="en-US" sz="2000" dirty="0" smtClean="0">
@@ -8800,7 +8771,31 @@
                   <a:schemeClr val="tx1"/>
                 </a:solidFill>
               </a:rPr>
-              <a:t>Иван Русев – за съжаление колегата не успя да вземе участие в този проект;</a:t>
+              <a:t>Иван Русев – </a:t>
+            </a:r>
+            <a:r>
+              <a:rPr lang="bg-BG" sz="2000" dirty="0" smtClean="0">
+                <a:solidFill>
+                  <a:schemeClr val="tx1"/>
+                </a:solidFill>
+              </a:rPr>
+              <a:t>защити проекта и написа метода </a:t>
+            </a:r>
+            <a:r>
+              <a:rPr lang="en-US" sz="2000" smtClean="0">
+                <a:solidFill>
+                  <a:schemeClr val="tx1"/>
+                </a:solidFill>
+              </a:rPr>
+              <a:t>Surrender()</a:t>
+            </a:r>
+            <a:r>
+              <a:rPr lang="bg-BG" sz="2000" smtClean="0">
+                <a:solidFill>
+                  <a:schemeClr val="tx1"/>
+                </a:solidFill>
+              </a:rPr>
+              <a:t>;</a:t>
             </a:r>
             <a:endParaRPr lang="bg-BG" sz="2000" dirty="0" smtClean="0">
               <a:solidFill>
@@ -9611,7 +9606,7 @@
   <a:extraClrSchemeLst/>
   <a:extLst>
     <a:ext uri="{05A4C25C-085E-4340-85A3-A5531E510DB2}">
-      <thm15:themeFamily xmlns:thm15="http://schemas.microsoft.com/office/thememl/2012/main" xmlns="" name="Facet" id="{C0C680CD-088A-49FC-A102-D699147F32B2}" vid="{CFBC31BA-B70F-4F30-BCAA-4F3011E16C4D}"/>
+      <thm15:themeFamily xmlns="" xmlns:thm15="http://schemas.microsoft.com/office/thememl/2012/main" name="Facet" id="{C0C680CD-088A-49FC-A102-D699147F32B2}" vid="{CFBC31BA-B70F-4F30-BCAA-4F3011E16C4D}"/>
     </a:ext>
   </a:extLst>
 </a:theme>
